--- a/WFH進度報告_宗賢_20210524.pptx
+++ b/WFH進度報告_宗賢_20210524.pptx
@@ -12,7 +12,7 @@
   </p:handoutMasterIdLst>
   <p:sldIdLst>
     <p:sldId id="1388" r:id="rId2"/>
-    <p:sldId id="1390" r:id="rId3"/>
+    <p:sldId id="1389" r:id="rId3"/>
   </p:sldIdLst>
   <p:sldSz cx="9144000" cy="5143500" type="screen16x9"/>
   <p:notesSz cx="6858000" cy="9144000"/>
@@ -298,7 +298,7 @@
               <a:pPr>
                 <a:defRPr/>
               </a:pPr>
-              <a:t>2021/5/24</a:t>
+              <a:t>2021/5/27</a:t>
             </a:fld>
             <a:endParaRPr lang="en-US" altLang="zh-TW"/>
           </a:p>
@@ -544,7 +544,7 @@
               <a:pPr>
                 <a:defRPr/>
               </a:pPr>
-              <a:t>2021/5/24</a:t>
+              <a:t>2021/5/27</a:t>
             </a:fld>
             <a:endParaRPr lang="en-US" altLang="zh-TW"/>
           </a:p>
@@ -616,35 +616,35 @@
           <a:p>
             <a:pPr lvl="0"/>
             <a:r>
-              <a:rPr lang="zh-TW" altLang="en-US" noProof="0" smtClean="0"/>
+              <a:rPr lang="zh-TW" altLang="en-US" noProof="0"/>
               <a:t>按一下以編輯母片</a:t>
             </a:r>
           </a:p>
           <a:p>
             <a:pPr lvl="1"/>
             <a:r>
-              <a:rPr lang="zh-TW" altLang="en-US" noProof="0" smtClean="0"/>
+              <a:rPr lang="zh-TW" altLang="en-US" noProof="0"/>
               <a:t>第二層</a:t>
             </a:r>
           </a:p>
           <a:p>
             <a:pPr lvl="2"/>
             <a:r>
-              <a:rPr lang="zh-TW" altLang="en-US" noProof="0" smtClean="0"/>
+              <a:rPr lang="zh-TW" altLang="en-US" noProof="0"/>
               <a:t>第三層</a:t>
             </a:r>
           </a:p>
           <a:p>
             <a:pPr lvl="3"/>
             <a:r>
-              <a:rPr lang="zh-TW" altLang="en-US" noProof="0" smtClean="0"/>
+              <a:rPr lang="zh-TW" altLang="en-US" noProof="0"/>
               <a:t>第四層</a:t>
             </a:r>
           </a:p>
           <a:p>
             <a:pPr lvl="4"/>
             <a:r>
-              <a:rPr lang="zh-TW" altLang="en-US" noProof="0" smtClean="0"/>
+              <a:rPr lang="zh-TW" altLang="en-US" noProof="0"/>
               <a:t>第五層</a:t>
             </a:r>
           </a:p>
@@ -886,96 +886,6 @@
     </a:lvl9pPr>
   </p:notesStyle>
 </p:notesMaster>
-</file>
-
-<file path=ppt/notesSlides/notesSlide1.xml><?xml version="1.0" encoding="utf-8"?>
-<p:notes xmlns:a="http://schemas.openxmlformats.org/drawingml/2006/main" xmlns:r="http://schemas.openxmlformats.org/officeDocument/2006/relationships" xmlns:p="http://schemas.openxmlformats.org/presentationml/2006/main">
-  <p:cSld>
-    <p:spTree>
-      <p:nvGrpSpPr>
-        <p:cNvPr id="1" name=""/>
-        <p:cNvGrpSpPr/>
-        <p:nvPr/>
-      </p:nvGrpSpPr>
-      <p:grpSpPr>
-        <a:xfrm>
-          <a:off x="0" y="0"/>
-          <a:ext cx="0" cy="0"/>
-          <a:chOff x="0" y="0"/>
-          <a:chExt cx="0" cy="0"/>
-        </a:xfrm>
-      </p:grpSpPr>
-      <p:sp>
-        <p:nvSpPr>
-          <p:cNvPr id="2" name="投影片圖像版面配置區 1"/>
-          <p:cNvSpPr>
-            <a:spLocks noGrp="1" noRot="1" noChangeAspect="1"/>
-          </p:cNvSpPr>
-          <p:nvPr>
-            <p:ph type="sldImg"/>
-          </p:nvPr>
-        </p:nvSpPr>
-        <p:spPr/>
-      </p:sp>
-      <p:sp>
-        <p:nvSpPr>
-          <p:cNvPr id="3" name="備忘稿版面配置區 2"/>
-          <p:cNvSpPr>
-            <a:spLocks noGrp="1"/>
-          </p:cNvSpPr>
-          <p:nvPr>
-            <p:ph type="body" idx="1"/>
-          </p:nvPr>
-        </p:nvSpPr>
-        <p:spPr/>
-        <p:txBody>
-          <a:bodyPr/>
-          <a:lstStyle/>
-          <a:p>
-            <a:endParaRPr lang="zh-TW" altLang="en-US" dirty="0"/>
-          </a:p>
-        </p:txBody>
-      </p:sp>
-      <p:sp>
-        <p:nvSpPr>
-          <p:cNvPr id="4" name="投影片編號版面配置區 3"/>
-          <p:cNvSpPr>
-            <a:spLocks noGrp="1"/>
-          </p:cNvSpPr>
-          <p:nvPr>
-            <p:ph type="sldNum" sz="quarter" idx="10"/>
-          </p:nvPr>
-        </p:nvSpPr>
-        <p:spPr/>
-        <p:txBody>
-          <a:bodyPr/>
-          <a:lstStyle/>
-          <a:p>
-            <a:pPr>
-              <a:defRPr/>
-            </a:pPr>
-            <a:fld id="{BB8BD76A-2F67-42F1-9619-1A8D2E5EAE40}" type="slidenum">
-              <a:rPr lang="zh-TW" altLang="en-US" smtClean="0"/>
-              <a:pPr>
-                <a:defRPr/>
-              </a:pPr>
-              <a:t>2</a:t>
-            </a:fld>
-            <a:endParaRPr lang="zh-TW" altLang="en-US"/>
-          </a:p>
-        </p:txBody>
-      </p:sp>
-    </p:spTree>
-    <p:extLst>
-      <p:ext uri="{BB962C8B-B14F-4D97-AF65-F5344CB8AC3E}">
-        <p14:creationId xmlns:p14="http://schemas.microsoft.com/office/powerpoint/2010/main" val="62544231"/>
-      </p:ext>
-    </p:extLst>
-  </p:cSld>
-  <p:clrMapOvr>
-    <a:masterClrMapping/>
-  </p:clrMapOvr>
-</p:notes>
 </file>
 
 <file path=ppt/slideLayouts/slideLayout1.xml><?xml version="1.0" encoding="utf-8"?>
@@ -1690,7 +1600,7 @@
     <a:masterClrMapping/>
   </p:clrMapOvr>
   <p:transition/>
-  <p:extLst mod="1">
+  <p:extLst>
     <p:ext uri="{DCECCB84-F9BA-43D5-87BE-67443E8EF086}">
       <p15:sldGuideLst xmlns:p15="http://schemas.microsoft.com/office/powerpoint/2012/main">
         <p15:guide id="3" pos="846">
@@ -5563,7 +5473,7 @@
             <a:fld id="{171D8B99-A286-4F86-A88F-D4691B02D3A1}" type="datetime1">
               <a:rPr lang="zh-CN" altLang="en-US" smtClean="0"/>
               <a:pPr/>
-              <a:t>2021/5/24</a:t>
+              <a:t>2021/5/27</a:t>
             </a:fld>
             <a:endParaRPr lang="zh-CN" altLang="en-US"/>
           </a:p>
@@ -5801,7 +5711,7 @@
             <a:fld id="{B796EA4A-5B87-4648-9126-86FCB99AC20E}" type="datetime1">
               <a:rPr lang="zh-CN" altLang="en-US" smtClean="0"/>
               <a:pPr/>
-              <a:t>2021/5/24</a:t>
+              <a:t>2021/5/27</a:t>
             </a:fld>
             <a:endParaRPr lang="zh-CN" altLang="en-US"/>
           </a:p>
@@ -6190,7 +6100,7 @@
     <a:masterClrMapping/>
   </p:clrMapOvr>
   <p:transition/>
-  <p:extLst mod="1">
+  <p:extLst>
     <p:ext uri="{DCECCB84-F9BA-43D5-87BE-67443E8EF086}">
       <p15:sldGuideLst xmlns:p15="http://schemas.microsoft.com/office/powerpoint/2012/main">
         <p15:guide id="3" pos="846">
@@ -8716,7 +8626,7 @@
             <a:fld id="{171D8B99-A286-4F86-A88F-D4691B02D3A1}" type="datetime1">
               <a:rPr lang="zh-CN" altLang="en-US" smtClean="0"/>
               <a:pPr/>
-              <a:t>2021/5/24</a:t>
+              <a:t>2021/5/27</a:t>
             </a:fld>
             <a:endParaRPr lang="zh-CN" altLang="en-US"/>
           </a:p>
@@ -8923,7 +8833,7 @@
             <a:fld id="{B796EA4A-5B87-4648-9126-86FCB99AC20E}" type="datetime1">
               <a:rPr lang="zh-CN" altLang="en-US" smtClean="0"/>
               <a:pPr/>
-              <a:t>2021/5/24</a:t>
+              <a:t>2021/5/27</a:t>
             </a:fld>
             <a:endParaRPr lang="zh-CN" altLang="en-US"/>
           </a:p>
@@ -9716,7 +9626,7 @@
           <p:cNvPr id="3" name="標題 1">
             <a:extLst>
               <a:ext uri="{FF2B5EF4-FFF2-40B4-BE49-F238E27FC236}">
-                <a16:creationId xmlns="" xmlns:a16="http://schemas.microsoft.com/office/drawing/2014/main" id="{4FD4FE63-2191-46DF-A7B7-3F42F4CB234C}"/>
+                <a16:creationId xmlns:a16="http://schemas.microsoft.com/office/drawing/2014/main" id="{4FD4FE63-2191-46DF-A7B7-3F42F4CB234C}"/>
               </a:ext>
             </a:extLst>
           </p:cNvPr>
@@ -9764,25 +9674,25 @@
               </a:spcAft>
             </a:pPr>
             <a:r>
-              <a:rPr kumimoji="0" lang="en-US" altLang="zh-TW" sz="3000" dirty="0" smtClean="0">
+              <a:rPr kumimoji="0" lang="en-US" altLang="zh-TW" sz="3000" dirty="0">
                 <a:latin typeface="微軟正黑體" panose="020B0604030504040204" pitchFamily="34" charset="-120"/>
               </a:rPr>
-              <a:t>5/21</a:t>
-            </a:r>
-            <a:r>
-              <a:rPr kumimoji="0" lang="zh-TW" altLang="en-US" sz="3000" dirty="0" smtClean="0">
+              <a:t>5/27</a:t>
+            </a:r>
+            <a:r>
+              <a:rPr kumimoji="0" lang="zh-TW" altLang="en-US" sz="3000" dirty="0">
                 <a:latin typeface="微軟正黑體" panose="020B0604030504040204" pitchFamily="34" charset="-120"/>
               </a:rPr>
               <a:t> </a:t>
             </a:r>
             <a:r>
-              <a:rPr kumimoji="0" lang="en-US" altLang="zh-TW" sz="3000" dirty="0" smtClean="0">
+              <a:rPr kumimoji="0" lang="en-US" altLang="zh-TW" sz="3000" dirty="0">
                 <a:latin typeface="微軟正黑體" panose="020B0604030504040204" pitchFamily="34" charset="-120"/>
               </a:rPr>
               <a:t>WFH</a:t>
             </a:r>
             <a:r>
-              <a:rPr kumimoji="0" lang="zh-TW" altLang="en-US" sz="3000" dirty="0" smtClean="0">
+              <a:rPr kumimoji="0" lang="zh-TW" altLang="en-US" sz="3000" dirty="0">
                 <a:latin typeface="微軟正黑體" panose="020B0604030504040204" pitchFamily="34" charset="-120"/>
               </a:rPr>
               <a:t> </a:t>
@@ -9797,302 +9707,14 @@
       </p:sp>
       <p:sp>
         <p:nvSpPr>
-          <p:cNvPr id="4" name="內容版面配置區 2"/>
-          <p:cNvSpPr txBox="1">
-            <a:spLocks/>
-          </p:cNvSpPr>
-          <p:nvPr/>
-        </p:nvSpPr>
-        <p:spPr>
-          <a:xfrm>
-            <a:off x="227586" y="1793227"/>
-            <a:ext cx="3696342" cy="2362699"/>
-          </a:xfrm>
-          <a:prstGeom prst="rect">
-            <a:avLst/>
-          </a:prstGeom>
-        </p:spPr>
-        <p:txBody>
-          <a:bodyPr/>
-          <a:lstStyle>
-            <a:lvl1pPr marL="342900" indent="-342900" algn="l" defTabSz="914400" rtl="0" eaLnBrk="1" latinLnBrk="0" hangingPunct="1">
-              <a:spcBef>
-                <a:spcPct val="20000"/>
-              </a:spcBef>
-              <a:buFont typeface="Arial" pitchFamily="34" charset="0"/>
-              <a:buNone/>
-              <a:defRPr sz="2000" kern="1200" baseline="0">
-                <a:solidFill>
-                  <a:schemeClr val="tx1">
-                    <a:lumMod val="75000"/>
-                    <a:lumOff val="25000"/>
-                  </a:schemeClr>
-                </a:solidFill>
-                <a:latin typeface="Gill Sans MT" pitchFamily="34" charset="0"/>
-                <a:ea typeface="微軟正黑體" pitchFamily="34" charset="-120"/>
-                <a:cs typeface="+mn-cs"/>
-              </a:defRPr>
-            </a:lvl1pPr>
-            <a:lvl2pPr marL="742950" indent="-285750" algn="l" defTabSz="914400" rtl="0" eaLnBrk="1" latinLnBrk="0" hangingPunct="1">
-              <a:spcBef>
-                <a:spcPct val="20000"/>
-              </a:spcBef>
-              <a:buFont typeface="Arial" pitchFamily="34" charset="0"/>
-              <a:buNone/>
-              <a:defRPr sz="2000" kern="1200" baseline="0">
-                <a:solidFill>
-                  <a:schemeClr val="tx1">
-                    <a:lumMod val="75000"/>
-                    <a:lumOff val="25000"/>
-                  </a:schemeClr>
-                </a:solidFill>
-                <a:latin typeface="Gill Sans MT" pitchFamily="34" charset="0"/>
-                <a:ea typeface="微軟正黑體" pitchFamily="34" charset="-120"/>
-                <a:cs typeface="+mn-cs"/>
-              </a:defRPr>
-            </a:lvl2pPr>
-            <a:lvl3pPr marL="1143000" indent="-228600" algn="l" defTabSz="914400" rtl="0" eaLnBrk="1" latinLnBrk="0" hangingPunct="1">
-              <a:spcBef>
-                <a:spcPct val="20000"/>
-              </a:spcBef>
-              <a:buFont typeface="Arial" pitchFamily="34" charset="0"/>
-              <a:buNone/>
-              <a:defRPr sz="2000" kern="1200" baseline="0">
-                <a:solidFill>
-                  <a:schemeClr val="tx1">
-                    <a:lumMod val="75000"/>
-                    <a:lumOff val="25000"/>
-                  </a:schemeClr>
-                </a:solidFill>
-                <a:latin typeface="Gill Sans MT" pitchFamily="34" charset="0"/>
-                <a:ea typeface="微軟正黑體" pitchFamily="34" charset="-120"/>
-                <a:cs typeface="+mn-cs"/>
-              </a:defRPr>
-            </a:lvl3pPr>
-            <a:lvl4pPr marL="1600200" indent="-228600" algn="l" defTabSz="914400" rtl="0" eaLnBrk="1" latinLnBrk="0" hangingPunct="1">
-              <a:spcBef>
-                <a:spcPct val="20000"/>
-              </a:spcBef>
-              <a:buFont typeface="Arial" pitchFamily="34" charset="0"/>
-              <a:buNone/>
-              <a:defRPr sz="2000" kern="1200" baseline="0">
-                <a:solidFill>
-                  <a:schemeClr val="tx1">
-                    <a:lumMod val="75000"/>
-                    <a:lumOff val="25000"/>
-                  </a:schemeClr>
-                </a:solidFill>
-                <a:latin typeface="Gill Sans MT" pitchFamily="34" charset="0"/>
-                <a:ea typeface="微軟正黑體" pitchFamily="34" charset="-120"/>
-                <a:cs typeface="+mn-cs"/>
-              </a:defRPr>
-            </a:lvl4pPr>
-            <a:lvl5pPr marL="2057400" indent="-228600" algn="l" defTabSz="914400" rtl="0" eaLnBrk="1" latinLnBrk="0" hangingPunct="1">
-              <a:spcBef>
-                <a:spcPct val="20000"/>
-              </a:spcBef>
-              <a:buFont typeface="Arial" pitchFamily="34" charset="0"/>
-              <a:buNone/>
-              <a:defRPr sz="2000" kern="1200" baseline="0">
-                <a:solidFill>
-                  <a:schemeClr val="tx1">
-                    <a:lumMod val="75000"/>
-                    <a:lumOff val="25000"/>
-                  </a:schemeClr>
-                </a:solidFill>
-                <a:latin typeface="Gill Sans MT" pitchFamily="34" charset="0"/>
-                <a:ea typeface="微軟正黑體" pitchFamily="34" charset="-120"/>
-                <a:cs typeface="+mn-cs"/>
-              </a:defRPr>
-            </a:lvl5pPr>
-            <a:lvl6pPr marL="2514600" indent="-228600" algn="l" defTabSz="914400" rtl="0" eaLnBrk="1" latinLnBrk="0" hangingPunct="1">
-              <a:spcBef>
-                <a:spcPct val="20000"/>
-              </a:spcBef>
-              <a:buFont typeface="Arial" pitchFamily="34" charset="0"/>
-              <a:buChar char="•"/>
-              <a:defRPr sz="2000" kern="1200">
-                <a:solidFill>
-                  <a:schemeClr val="tx1"/>
-                </a:solidFill>
-                <a:latin typeface="+mn-lt"/>
-                <a:ea typeface="+mn-ea"/>
-                <a:cs typeface="+mn-cs"/>
-              </a:defRPr>
-            </a:lvl6pPr>
-            <a:lvl7pPr marL="2971800" indent="-228600" algn="l" defTabSz="914400" rtl="0" eaLnBrk="1" latinLnBrk="0" hangingPunct="1">
-              <a:spcBef>
-                <a:spcPct val="20000"/>
-              </a:spcBef>
-              <a:buFont typeface="Arial" pitchFamily="34" charset="0"/>
-              <a:buChar char="•"/>
-              <a:defRPr sz="2000" kern="1200">
-                <a:solidFill>
-                  <a:schemeClr val="tx1"/>
-                </a:solidFill>
-                <a:latin typeface="+mn-lt"/>
-                <a:ea typeface="+mn-ea"/>
-                <a:cs typeface="+mn-cs"/>
-              </a:defRPr>
-            </a:lvl7pPr>
-            <a:lvl8pPr marL="3429000" indent="-228600" algn="l" defTabSz="914400" rtl="0" eaLnBrk="1" latinLnBrk="0" hangingPunct="1">
-              <a:spcBef>
-                <a:spcPct val="20000"/>
-              </a:spcBef>
-              <a:buFont typeface="Arial" pitchFamily="34" charset="0"/>
-              <a:buChar char="•"/>
-              <a:defRPr sz="2000" kern="1200">
-                <a:solidFill>
-                  <a:schemeClr val="tx1"/>
-                </a:solidFill>
-                <a:latin typeface="+mn-lt"/>
-                <a:ea typeface="+mn-ea"/>
-                <a:cs typeface="+mn-cs"/>
-              </a:defRPr>
-            </a:lvl8pPr>
-            <a:lvl9pPr marL="3886200" indent="-228600" algn="l" defTabSz="914400" rtl="0" eaLnBrk="1" latinLnBrk="0" hangingPunct="1">
-              <a:spcBef>
-                <a:spcPct val="20000"/>
-              </a:spcBef>
-              <a:buFont typeface="Arial" pitchFamily="34" charset="0"/>
-              <a:buChar char="•"/>
-              <a:defRPr sz="2000" kern="1200">
-                <a:solidFill>
-                  <a:schemeClr val="tx1"/>
-                </a:solidFill>
-                <a:latin typeface="+mn-lt"/>
-                <a:ea typeface="+mn-ea"/>
-                <a:cs typeface="+mn-cs"/>
-              </a:defRPr>
-            </a:lvl9pPr>
-          </a:lstStyle>
-          <a:p>
-            <a:pPr fontAlgn="auto">
-              <a:spcAft>
-                <a:spcPts val="0"/>
-              </a:spcAft>
-            </a:pPr>
-            <a:r>
-              <a:rPr kumimoji="0" lang="en-US" altLang="zh-TW" sz="1600" dirty="0">
-                <a:solidFill>
-                  <a:schemeClr val="tx1"/>
-                </a:solidFill>
-                <a:latin typeface="微軟正黑體" panose="020B0604030504040204" pitchFamily="34" charset="-120"/>
-              </a:rPr>
-              <a:t>1</a:t>
-            </a:r>
-            <a:r>
-              <a:rPr kumimoji="0" lang="en-US" altLang="zh-TW" sz="1600" dirty="0" smtClean="0">
-                <a:solidFill>
-                  <a:schemeClr val="tx1"/>
-                </a:solidFill>
-                <a:latin typeface="微軟正黑體" panose="020B0604030504040204" pitchFamily="34" charset="-120"/>
-              </a:rPr>
-              <a:t>.AVMap </a:t>
-            </a:r>
-          </a:p>
-          <a:p>
-            <a:pPr fontAlgn="auto">
-              <a:spcAft>
-                <a:spcPts val="0"/>
-              </a:spcAft>
-            </a:pPr>
-            <a:r>
-              <a:rPr kumimoji="0" lang="en-US" altLang="zh-TW" sz="1400" dirty="0" smtClean="0">
-                <a:latin typeface="微軟正黑體" panose="020B0604030504040204" pitchFamily="34" charset="-120"/>
-                <a:sym typeface="Wingdings" panose="05000000000000000000" pitchFamily="2" charset="2"/>
-              </a:rPr>
-              <a:t></a:t>
-            </a:r>
-            <a:r>
-              <a:rPr kumimoji="0" lang="en-US" altLang="zh-TW" sz="1400" dirty="0" smtClean="0">
-                <a:solidFill>
-                  <a:schemeClr val="tx1"/>
-                </a:solidFill>
-                <a:latin typeface="微軟正黑體" panose="020B0604030504040204" pitchFamily="34" charset="-120"/>
-              </a:rPr>
-              <a:t>-</a:t>
-            </a:r>
-            <a:r>
-              <a:rPr kumimoji="0" lang="zh-TW" altLang="en-US" sz="1400" dirty="0" smtClean="0">
-                <a:solidFill>
-                  <a:schemeClr val="tx1"/>
-                </a:solidFill>
-                <a:latin typeface="微軟正黑體" panose="020B0604030504040204" pitchFamily="34" charset="-120"/>
-              </a:rPr>
-              <a:t> 專利報告修改</a:t>
-            </a:r>
-            <a:r>
-              <a:rPr kumimoji="0" lang="en-US" altLang="zh-TW" sz="1400" dirty="0" smtClean="0">
-                <a:solidFill>
-                  <a:schemeClr val="tx1"/>
-                </a:solidFill>
-                <a:latin typeface="微軟正黑體" panose="020B0604030504040204" pitchFamily="34" charset="-120"/>
-              </a:rPr>
-              <a:t>(</a:t>
-            </a:r>
-            <a:r>
-              <a:rPr kumimoji="0" lang="zh-TW" altLang="en-US" sz="1400" dirty="0" smtClean="0">
-                <a:solidFill>
-                  <a:schemeClr val="tx1"/>
-                </a:solidFill>
-                <a:latin typeface="微軟正黑體" panose="020B0604030504040204" pitchFamily="34" charset="-120"/>
-              </a:rPr>
-              <a:t>增加</a:t>
-            </a:r>
-            <a:r>
-              <a:rPr kumimoji="0" lang="en-US" altLang="zh-TW" sz="1400" dirty="0" smtClean="0">
-                <a:solidFill>
-                  <a:schemeClr val="tx1"/>
-                </a:solidFill>
-                <a:latin typeface="微軟正黑體" panose="020B0604030504040204" pitchFamily="34" charset="-120"/>
-              </a:rPr>
-              <a:t>UI</a:t>
-            </a:r>
-            <a:r>
-              <a:rPr kumimoji="0" lang="zh-TW" altLang="en-US" sz="1400" dirty="0" smtClean="0">
-                <a:solidFill>
-                  <a:schemeClr val="tx1"/>
-                </a:solidFill>
-                <a:latin typeface="微軟正黑體" panose="020B0604030504040204" pitchFamily="34" charset="-120"/>
-              </a:rPr>
-              <a:t>介面</a:t>
-            </a:r>
-            <a:r>
-              <a:rPr kumimoji="0" lang="en-US" altLang="zh-TW" sz="1400" dirty="0" smtClean="0">
-                <a:solidFill>
-                  <a:schemeClr val="tx1"/>
-                </a:solidFill>
-                <a:latin typeface="微軟正黑體" panose="020B0604030504040204" pitchFamily="34" charset="-120"/>
-              </a:rPr>
-              <a:t>)</a:t>
-            </a:r>
-          </a:p>
-          <a:p>
-            <a:pPr fontAlgn="auto">
-              <a:spcAft>
-                <a:spcPts val="0"/>
-              </a:spcAft>
-            </a:pPr>
-            <a:endParaRPr kumimoji="0" lang="en-US" altLang="zh-TW" sz="1400" dirty="0">
-              <a:solidFill>
-                <a:schemeClr val="tx1"/>
-              </a:solidFill>
-              <a:latin typeface="微軟正黑體" panose="020B0604030504040204" pitchFamily="34" charset="-120"/>
-            </a:endParaRPr>
-          </a:p>
-        </p:txBody>
-      </p:sp>
-      <p:sp>
-        <p:nvSpPr>
-          <p:cNvPr id="5" name="文字方塊 4"/>
+          <p:cNvPr id="2" name="文字方塊 1"/>
           <p:cNvSpPr txBox="1"/>
           <p:nvPr/>
         </p:nvSpPr>
         <p:spPr>
           <a:xfrm>
-            <a:off x="4427984" y="1794734"/>
-            <a:ext cx="2321469" cy="1692771"/>
+            <a:off x="3563888" y="912479"/>
+            <a:ext cx="1300356" cy="523220"/>
           </a:xfrm>
           <a:prstGeom prst="rect">
             <a:avLst/>
@@ -10105,41 +9727,8 @@
           </a:bodyPr>
           <a:lstStyle/>
           <a:p>
-            <a:pPr fontAlgn="auto">
-              <a:spcAft>
-                <a:spcPts val="0"/>
-              </a:spcAft>
-            </a:pPr>
-            <a:r>
-              <a:rPr kumimoji="0" lang="en-US" altLang="zh-TW" sz="1600" dirty="0" smtClean="0">
-                <a:latin typeface="微軟正黑體" panose="020B0604030504040204" pitchFamily="34" charset="-120"/>
-                <a:ea typeface="微軟正黑體" panose="020B0604030504040204" pitchFamily="34" charset="-120"/>
-              </a:rPr>
-              <a:t>1.AVMap(</a:t>
-            </a:r>
-            <a:r>
-              <a:rPr kumimoji="0" lang="zh-TW" altLang="en-US" sz="1600" dirty="0" smtClean="0">
-                <a:latin typeface="微軟正黑體" panose="020B0604030504040204" pitchFamily="34" charset="-120"/>
-                <a:ea typeface="微軟正黑體" panose="020B0604030504040204" pitchFamily="34" charset="-120"/>
-              </a:rPr>
-              <a:t>福明</a:t>
-            </a:r>
-            <a:r>
-              <a:rPr kumimoji="0" lang="en-US" altLang="zh-TW" sz="1600" dirty="0" smtClean="0">
-                <a:latin typeface="微軟正黑體" panose="020B0604030504040204" pitchFamily="34" charset="-120"/>
-                <a:ea typeface="微軟正黑體" panose="020B0604030504040204" pitchFamily="34" charset="-120"/>
-              </a:rPr>
-              <a:t>)</a:t>
-            </a:r>
-          </a:p>
-          <a:p>
-            <a:pPr fontAlgn="auto">
-              <a:spcAft>
-                <a:spcPts val="0"/>
-              </a:spcAft>
-            </a:pPr>
-            <a:r>
-              <a:rPr kumimoji="0" lang="en-US" altLang="zh-TW" sz="1400" dirty="0" smtClean="0">
+            <a:r>
+              <a:rPr kumimoji="0" lang="en-US" altLang="zh-TW" sz="1400" dirty="0">
                 <a:solidFill>
                   <a:srgbClr val="008000"/>
                 </a:solidFill>
@@ -10150,167 +9739,20 @@
               <a:t></a:t>
             </a:r>
             <a:r>
-              <a:rPr kumimoji="0" lang="en-US" altLang="zh-TW" sz="1400" dirty="0" smtClean="0">
-                <a:latin typeface="微軟正黑體" panose="020B0604030504040204" pitchFamily="34" charset="-120"/>
-                <a:ea typeface="微軟正黑體" panose="020B0604030504040204" pitchFamily="34" charset="-120"/>
-              </a:rPr>
-              <a:t>-</a:t>
-            </a:r>
-            <a:r>
-              <a:rPr kumimoji="0" lang="zh-TW" altLang="en-US" sz="1400" dirty="0" smtClean="0">
-                <a:latin typeface="微軟正黑體" panose="020B0604030504040204" pitchFamily="34" charset="-120"/>
-                <a:ea typeface="微軟正黑體" panose="020B0604030504040204" pitchFamily="34" charset="-120"/>
-              </a:rPr>
-              <a:t> 資料標記</a:t>
-            </a:r>
-            <a:endParaRPr kumimoji="0" lang="en-US" altLang="zh-TW" sz="1400" dirty="0" smtClean="0">
-              <a:latin typeface="微軟正黑體" panose="020B0604030504040204" pitchFamily="34" charset="-120"/>
-              <a:ea typeface="微軟正黑體" panose="020B0604030504040204" pitchFamily="34" charset="-120"/>
-            </a:endParaRPr>
-          </a:p>
-          <a:p>
-            <a:pPr fontAlgn="auto">
-              <a:spcAft>
-                <a:spcPts val="0"/>
-              </a:spcAft>
-            </a:pPr>
-            <a:endParaRPr kumimoji="0" lang="en-US" altLang="zh-TW" sz="800" dirty="0" smtClean="0">
-              <a:latin typeface="微軟正黑體" panose="020B0604030504040204" pitchFamily="34" charset="-120"/>
-              <a:ea typeface="微軟正黑體" panose="020B0604030504040204" pitchFamily="34" charset="-120"/>
-            </a:endParaRPr>
-          </a:p>
-          <a:p>
-            <a:pPr fontAlgn="auto">
-              <a:spcAft>
-                <a:spcPts val="0"/>
-              </a:spcAft>
-            </a:pPr>
-            <a:endParaRPr kumimoji="0" lang="en-US" altLang="zh-TW" sz="800" dirty="0" smtClean="0">
-              <a:latin typeface="微軟正黑體" panose="020B0604030504040204" pitchFamily="34" charset="-120"/>
-              <a:ea typeface="微軟正黑體" panose="020B0604030504040204" pitchFamily="34" charset="-120"/>
-              <a:sym typeface="Wingdings" panose="05000000000000000000" pitchFamily="2" charset="2"/>
-            </a:endParaRPr>
-          </a:p>
-          <a:p>
-            <a:pPr fontAlgn="auto">
-              <a:spcAft>
-                <a:spcPts val="0"/>
-              </a:spcAft>
-            </a:pPr>
-            <a:r>
-              <a:rPr kumimoji="0" lang="en-US" altLang="zh-TW" sz="1600" dirty="0">
+              <a:rPr kumimoji="0" lang="en-US" altLang="zh-TW" sz="1400" dirty="0">
                 <a:latin typeface="微軟正黑體" panose="020B0604030504040204" pitchFamily="34" charset="-120"/>
                 <a:ea typeface="微軟正黑體" panose="020B0604030504040204" pitchFamily="34" charset="-120"/>
                 <a:sym typeface="Wingdings" panose="05000000000000000000" pitchFamily="2" charset="2"/>
               </a:rPr>
-              <a:t>2</a:t>
-            </a:r>
-            <a:r>
-              <a:rPr kumimoji="0" lang="en-US" altLang="zh-TW" sz="1600" dirty="0" smtClean="0">
+              <a:t>-</a:t>
+            </a:r>
+            <a:r>
+              <a:rPr kumimoji="0" lang="zh-TW" altLang="en-US" sz="1400" dirty="0">
                 <a:latin typeface="微軟正黑體" panose="020B0604030504040204" pitchFamily="34" charset="-120"/>
                 <a:ea typeface="微軟正黑體" panose="020B0604030504040204" pitchFamily="34" charset="-120"/>
                 <a:sym typeface="Wingdings" panose="05000000000000000000" pitchFamily="2" charset="2"/>
               </a:rPr>
-              <a:t>.PI</a:t>
-            </a:r>
-            <a:r>
-              <a:rPr kumimoji="0" lang="zh-TW" altLang="en-US" sz="1600" dirty="0" smtClean="0">
-                <a:latin typeface="微軟正黑體" panose="020B0604030504040204" pitchFamily="34" charset="-120"/>
-                <a:ea typeface="微軟正黑體" panose="020B0604030504040204" pitchFamily="34" charset="-120"/>
-                <a:sym typeface="Wingdings" panose="05000000000000000000" pitchFamily="2" charset="2"/>
-              </a:rPr>
-              <a:t> </a:t>
-            </a:r>
-            <a:r>
-              <a:rPr kumimoji="0" lang="en-US" altLang="zh-TW" sz="1600" dirty="0" smtClean="0">
-                <a:latin typeface="微軟正黑體" panose="020B0604030504040204" pitchFamily="34" charset="-120"/>
-                <a:ea typeface="微軟正黑體" panose="020B0604030504040204" pitchFamily="34" charset="-120"/>
-                <a:sym typeface="Wingdings" panose="05000000000000000000" pitchFamily="2" charset="2"/>
-              </a:rPr>
-              <a:t>AOI</a:t>
-            </a:r>
-            <a:r>
-              <a:rPr kumimoji="0" lang="zh-TW" altLang="en-US" sz="1600" dirty="0" smtClean="0">
-                <a:latin typeface="微軟正黑體" panose="020B0604030504040204" pitchFamily="34" charset="-120"/>
-                <a:ea typeface="微軟正黑體" panose="020B0604030504040204" pitchFamily="34" charset="-120"/>
-                <a:sym typeface="Wingdings" panose="05000000000000000000" pitchFamily="2" charset="2"/>
-              </a:rPr>
-              <a:t>影像分類</a:t>
-            </a:r>
-            <a:r>
-              <a:rPr kumimoji="0" lang="en-US" altLang="zh-TW" sz="1600" dirty="0" smtClean="0">
-                <a:latin typeface="微軟正黑體" panose="020B0604030504040204" pitchFamily="34" charset="-120"/>
-                <a:ea typeface="微軟正黑體" panose="020B0604030504040204" pitchFamily="34" charset="-120"/>
-                <a:sym typeface="Wingdings" panose="05000000000000000000" pitchFamily="2" charset="2"/>
-              </a:rPr>
-              <a:t>(</a:t>
-            </a:r>
-            <a:r>
-              <a:rPr kumimoji="0" lang="zh-TW" altLang="en-US" sz="1600" dirty="0" smtClean="0">
-                <a:latin typeface="微軟正黑體" panose="020B0604030504040204" pitchFamily="34" charset="-120"/>
-                <a:ea typeface="微軟正黑體" panose="020B0604030504040204" pitchFamily="34" charset="-120"/>
-                <a:sym typeface="Wingdings" panose="05000000000000000000" pitchFamily="2" charset="2"/>
-              </a:rPr>
-              <a:t>瑞麟</a:t>
-            </a:r>
-            <a:r>
-              <a:rPr kumimoji="0" lang="en-US" altLang="zh-TW" sz="1600" dirty="0" smtClean="0">
-                <a:latin typeface="微軟正黑體" panose="020B0604030504040204" pitchFamily="34" charset="-120"/>
-                <a:ea typeface="微軟正黑體" panose="020B0604030504040204" pitchFamily="34" charset="-120"/>
-                <a:sym typeface="Wingdings" panose="05000000000000000000" pitchFamily="2" charset="2"/>
-              </a:rPr>
-              <a:t>)</a:t>
-            </a:r>
-          </a:p>
-          <a:p>
-            <a:pPr fontAlgn="auto">
-              <a:spcAft>
-                <a:spcPts val="0"/>
-              </a:spcAft>
-            </a:pPr>
-            <a:r>
-              <a:rPr kumimoji="0" lang="en-US" altLang="zh-TW" sz="1400" dirty="0" smtClean="0">
-                <a:latin typeface="微軟正黑體" panose="020B0604030504040204" pitchFamily="34" charset="-120"/>
-                <a:ea typeface="微軟正黑體" panose="020B0604030504040204" pitchFamily="34" charset="-120"/>
-                <a:sym typeface="Wingdings" panose="05000000000000000000" pitchFamily="2" charset="2"/>
-              </a:rPr>
-              <a:t>-EfficientNetB7</a:t>
-            </a:r>
-            <a:r>
-              <a:rPr kumimoji="0" lang="zh-TW" altLang="en-US" sz="1400" dirty="0" smtClean="0">
-                <a:latin typeface="微軟正黑體" panose="020B0604030504040204" pitchFamily="34" charset="-120"/>
-                <a:ea typeface="微軟正黑體" panose="020B0604030504040204" pitchFamily="34" charset="-120"/>
-                <a:sym typeface="Wingdings" panose="05000000000000000000" pitchFamily="2" charset="2"/>
-              </a:rPr>
-              <a:t>模型訓練</a:t>
-            </a:r>
-            <a:endParaRPr kumimoji="0" lang="en-US" altLang="zh-TW" sz="1400" dirty="0" smtClean="0">
-              <a:latin typeface="微軟正黑體" panose="020B0604030504040204" pitchFamily="34" charset="-120"/>
-              <a:ea typeface="微軟正黑體" panose="020B0604030504040204" pitchFamily="34" charset="-120"/>
-              <a:sym typeface="Wingdings" panose="05000000000000000000" pitchFamily="2" charset="2"/>
-            </a:endParaRPr>
-          </a:p>
-          <a:p>
-            <a:pPr fontAlgn="auto">
-              <a:spcAft>
-                <a:spcPts val="0"/>
-              </a:spcAft>
-            </a:pPr>
-            <a:r>
-              <a:rPr kumimoji="0" lang="en-US" altLang="zh-TW" sz="1400" dirty="0" smtClean="0">
-                <a:latin typeface="微軟正黑體" panose="020B0604030504040204" pitchFamily="34" charset="-120"/>
-                <a:ea typeface="微軟正黑體" panose="020B0604030504040204" pitchFamily="34" charset="-120"/>
-                <a:sym typeface="Wingdings" panose="05000000000000000000" pitchFamily="2" charset="2"/>
-              </a:rPr>
-              <a:t>-EfficientNetB4</a:t>
-            </a:r>
-            <a:r>
-              <a:rPr kumimoji="0" lang="zh-TW" altLang="en-US" sz="1400" dirty="0" smtClean="0">
-                <a:latin typeface="微軟正黑體" panose="020B0604030504040204" pitchFamily="34" charset="-120"/>
-                <a:ea typeface="微軟正黑體" panose="020B0604030504040204" pitchFamily="34" charset="-120"/>
-                <a:sym typeface="Wingdings" panose="05000000000000000000" pitchFamily="2" charset="2"/>
-              </a:rPr>
-              <a:t>模型訓練</a:t>
+              <a:t>進行中</a:t>
             </a:r>
             <a:endParaRPr kumimoji="0" lang="en-US" altLang="zh-TW" sz="1400" dirty="0">
               <a:latin typeface="微軟正黑體" panose="020B0604030504040204" pitchFamily="34" charset="-120"/>
@@ -10319,29 +9761,42 @@
             </a:endParaRPr>
           </a:p>
           <a:p>
-            <a:pPr fontAlgn="auto">
-              <a:spcAft>
-                <a:spcPts val="0"/>
-              </a:spcAft>
-            </a:pPr>
-            <a:endParaRPr kumimoji="0" lang="en-US" altLang="zh-TW" sz="1400" dirty="0" smtClean="0">
-              <a:latin typeface="微軟正黑體" panose="020B0604030504040204" pitchFamily="34" charset="-120"/>
-              <a:ea typeface="微軟正黑體" panose="020B0604030504040204" pitchFamily="34" charset="-120"/>
-              <a:sym typeface="Wingdings" panose="05000000000000000000" pitchFamily="2" charset="2"/>
-            </a:endParaRPr>
+            <a:r>
+              <a:rPr kumimoji="0" lang="en-US" altLang="zh-TW" sz="1400" dirty="0">
+                <a:latin typeface="微軟正黑體" panose="020B0604030504040204" pitchFamily="34" charset="-120"/>
+                <a:ea typeface="微軟正黑體" panose="020B0604030504040204" pitchFamily="34" charset="-120"/>
+                <a:sym typeface="Wingdings" panose="05000000000000000000" pitchFamily="2" charset="2"/>
+              </a:rPr>
+              <a:t>-</a:t>
+            </a:r>
+            <a:r>
+              <a:rPr kumimoji="0" lang="zh-TW" altLang="en-US" sz="1400" dirty="0">
+                <a:latin typeface="微軟正黑體" panose="020B0604030504040204" pitchFamily="34" charset="-120"/>
+                <a:ea typeface="微軟正黑體" panose="020B0604030504040204" pitchFamily="34" charset="-120"/>
+                <a:sym typeface="Wingdings" panose="05000000000000000000" pitchFamily="2" charset="2"/>
+              </a:rPr>
+              <a:t>今日已完成</a:t>
+            </a:r>
+            <a:endParaRPr lang="zh-TW" altLang="en-US" sz="1400" dirty="0"/>
           </a:p>
         </p:txBody>
       </p:sp>
       <p:sp>
         <p:nvSpPr>
-          <p:cNvPr id="9" name="文字方塊 8"/>
+          <p:cNvPr id="6" name="文字方塊 5">
+            <a:extLst>
+              <a:ext uri="{FF2B5EF4-FFF2-40B4-BE49-F238E27FC236}">
+                <a16:creationId xmlns:a16="http://schemas.microsoft.com/office/drawing/2014/main" id="{97575E12-FE64-49ED-B27D-902A9A22845D}"/>
+              </a:ext>
+            </a:extLst>
+          </p:cNvPr>
           <p:cNvSpPr txBox="1"/>
           <p:nvPr/>
         </p:nvSpPr>
         <p:spPr>
           <a:xfrm>
-            <a:off x="227586" y="1316545"/>
-            <a:ext cx="697627" cy="400110"/>
+            <a:off x="611560" y="1995686"/>
+            <a:ext cx="2600392" cy="1268361"/>
           </a:xfrm>
           <a:prstGeom prst="rect">
             <a:avLst/>
@@ -10354,29 +9809,198 @@
           </a:bodyPr>
           <a:lstStyle/>
           <a:p>
-            <a:r>
-              <a:rPr lang="zh-TW" altLang="en-US" sz="2000" b="1" dirty="0" smtClean="0">
+            <a:pPr fontAlgn="auto">
+              <a:spcAft>
+                <a:spcPts val="0"/>
+              </a:spcAft>
+            </a:pPr>
+            <a:r>
+              <a:rPr kumimoji="0" lang="en-US" altLang="zh-TW" sz="1600" dirty="0">
+                <a:latin typeface="微軟正黑體" panose="020B0604030504040204" pitchFamily="34" charset="-120"/>
+                <a:ea typeface="微軟正黑體" panose="020B0604030504040204" pitchFamily="34" charset="-120"/>
+                <a:sym typeface="Wingdings" panose="05000000000000000000" pitchFamily="2" charset="2"/>
+              </a:rPr>
+              <a:t>1.PI</a:t>
+            </a:r>
+            <a:r>
+              <a:rPr kumimoji="0" lang="zh-TW" altLang="en-US" sz="1600" dirty="0">
+                <a:latin typeface="微軟正黑體" panose="020B0604030504040204" pitchFamily="34" charset="-120"/>
+                <a:ea typeface="微軟正黑體" panose="020B0604030504040204" pitchFamily="34" charset="-120"/>
+                <a:sym typeface="Wingdings" panose="05000000000000000000" pitchFamily="2" charset="2"/>
+              </a:rPr>
+              <a:t> </a:t>
+            </a:r>
+            <a:r>
+              <a:rPr kumimoji="0" lang="en-US" altLang="zh-TW" sz="1600" dirty="0">
+                <a:latin typeface="微軟正黑體" panose="020B0604030504040204" pitchFamily="34" charset="-120"/>
+                <a:ea typeface="微軟正黑體" panose="020B0604030504040204" pitchFamily="34" charset="-120"/>
+                <a:sym typeface="Wingdings" panose="05000000000000000000" pitchFamily="2" charset="2"/>
+              </a:rPr>
+              <a:t>AOI</a:t>
+            </a:r>
+            <a:r>
+              <a:rPr kumimoji="0" lang="zh-TW" altLang="en-US" sz="1600" dirty="0">
+                <a:latin typeface="微軟正黑體" panose="020B0604030504040204" pitchFamily="34" charset="-120"/>
+                <a:ea typeface="微軟正黑體" panose="020B0604030504040204" pitchFamily="34" charset="-120"/>
+                <a:sym typeface="Wingdings" panose="05000000000000000000" pitchFamily="2" charset="2"/>
+              </a:rPr>
+              <a:t>影像分類</a:t>
+            </a:r>
+            <a:r>
+              <a:rPr kumimoji="0" lang="en-US" altLang="zh-TW" sz="1600" dirty="0">
+                <a:latin typeface="微軟正黑體" panose="020B0604030504040204" pitchFamily="34" charset="-120"/>
+                <a:ea typeface="微軟正黑體" panose="020B0604030504040204" pitchFamily="34" charset="-120"/>
+                <a:sym typeface="Wingdings" panose="05000000000000000000" pitchFamily="2" charset="2"/>
+              </a:rPr>
+              <a:t>(</a:t>
+            </a:r>
+            <a:r>
+              <a:rPr kumimoji="0" lang="zh-TW" altLang="en-US" sz="1600" dirty="0">
+                <a:latin typeface="微軟正黑體" panose="020B0604030504040204" pitchFamily="34" charset="-120"/>
+                <a:ea typeface="微軟正黑體" panose="020B0604030504040204" pitchFamily="34" charset="-120"/>
+                <a:sym typeface="Wingdings" panose="05000000000000000000" pitchFamily="2" charset="2"/>
+              </a:rPr>
+              <a:t>瑞麟</a:t>
+            </a:r>
+            <a:r>
+              <a:rPr kumimoji="0" lang="en-US" altLang="zh-TW" sz="1600" dirty="0">
+                <a:latin typeface="微軟正黑體" panose="020B0604030504040204" pitchFamily="34" charset="-120"/>
+                <a:ea typeface="微軟正黑體" panose="020B0604030504040204" pitchFamily="34" charset="-120"/>
+                <a:sym typeface="Wingdings" panose="05000000000000000000" pitchFamily="2" charset="2"/>
+              </a:rPr>
+              <a:t>)</a:t>
+            </a:r>
+          </a:p>
+          <a:p>
+            <a:pPr fontAlgn="auto">
+              <a:lnSpc>
+                <a:spcPct val="150000"/>
+              </a:lnSpc>
+              <a:spcAft>
+                <a:spcPts val="0"/>
+              </a:spcAft>
+            </a:pPr>
+            <a:r>
+              <a:rPr kumimoji="0" lang="en-US" altLang="zh-TW" sz="1400" dirty="0">
+                <a:solidFill>
+                  <a:srgbClr val="008000"/>
+                </a:solidFill>
+                <a:latin typeface="微軟正黑體" panose="020B0604030504040204" pitchFamily="34" charset="-120"/>
+                <a:ea typeface="微軟正黑體" panose="020B0604030504040204" pitchFamily="34" charset="-120"/>
+                <a:sym typeface="Wingdings" panose="05000000000000000000" pitchFamily="2" charset="2"/>
+              </a:rPr>
+              <a:t></a:t>
+            </a:r>
+            <a:r>
+              <a:rPr kumimoji="0" lang="en-US" altLang="zh-TW" sz="1400" dirty="0">
                 <a:latin typeface="微軟正黑體" panose="020B0604030504040204" pitchFamily="34" charset="-120"/>
                 <a:ea typeface="微軟正黑體" panose="020B0604030504040204" pitchFamily="34" charset="-120"/>
               </a:rPr>
-              <a:t>事務</a:t>
-            </a:r>
-            <a:endParaRPr lang="zh-TW" altLang="en-US" sz="2000" b="1" dirty="0">
+              <a:t>-</a:t>
+            </a:r>
+            <a:r>
+              <a:rPr kumimoji="0" lang="zh-TW" altLang="en-US" sz="1400" dirty="0">
+                <a:latin typeface="微軟正黑體" panose="020B0604030504040204" pitchFamily="34" charset="-120"/>
+                <a:ea typeface="微軟正黑體" panose="020B0604030504040204" pitchFamily="34" charset="-120"/>
+              </a:rPr>
+              <a:t>研究</a:t>
+            </a:r>
+            <a:r>
+              <a:rPr kumimoji="0" lang="en-US" altLang="zh-TW" sz="1400" dirty="0">
+                <a:latin typeface="微軟正黑體" panose="020B0604030504040204" pitchFamily="34" charset="-120"/>
+                <a:ea typeface="微軟正黑體" panose="020B0604030504040204" pitchFamily="34" charset="-120"/>
+              </a:rPr>
+              <a:t>GAN</a:t>
+            </a:r>
+            <a:r>
+              <a:rPr kumimoji="0" lang="zh-TW" altLang="en-US" sz="1400" dirty="0">
+                <a:latin typeface="微軟正黑體" panose="020B0604030504040204" pitchFamily="34" charset="-120"/>
+                <a:ea typeface="微軟正黑體" panose="020B0604030504040204" pitchFamily="34" charset="-120"/>
+              </a:rPr>
+              <a:t>方法生成訓練資料</a:t>
+            </a:r>
+            <a:endParaRPr kumimoji="0" lang="en-US" altLang="zh-TW" sz="1400" dirty="0">
               <a:latin typeface="微軟正黑體" panose="020B0604030504040204" pitchFamily="34" charset="-120"/>
               <a:ea typeface="微軟正黑體" panose="020B0604030504040204" pitchFamily="34" charset="-120"/>
+            </a:endParaRPr>
+          </a:p>
+          <a:p>
+            <a:pPr fontAlgn="auto">
+              <a:lnSpc>
+                <a:spcPct val="150000"/>
+              </a:lnSpc>
+              <a:spcAft>
+                <a:spcPts val="0"/>
+              </a:spcAft>
+            </a:pPr>
+            <a:r>
+              <a:rPr kumimoji="0" lang="en-US" altLang="zh-TW" sz="1400" dirty="0">
+                <a:latin typeface="微軟正黑體" panose="020B0604030504040204" pitchFamily="34" charset="-120"/>
+                <a:ea typeface="微軟正黑體" panose="020B0604030504040204" pitchFamily="34" charset="-120"/>
+                <a:sym typeface="Wingdings" panose="05000000000000000000" pitchFamily="2" charset="2"/>
+              </a:rPr>
+              <a:t>    -DCGAN</a:t>
+            </a:r>
+          </a:p>
+          <a:p>
+            <a:pPr fontAlgn="auto">
+              <a:lnSpc>
+                <a:spcPct val="150000"/>
+              </a:lnSpc>
+              <a:spcAft>
+                <a:spcPts val="0"/>
+              </a:spcAft>
+            </a:pPr>
+            <a:r>
+              <a:rPr kumimoji="0" lang="en-US" altLang="zh-TW" sz="1400" dirty="0">
+                <a:solidFill>
+                  <a:srgbClr val="008000"/>
+                </a:solidFill>
+                <a:latin typeface="微軟正黑體" panose="020B0604030504040204" pitchFamily="34" charset="-120"/>
+                <a:ea typeface="微軟正黑體" panose="020B0604030504040204" pitchFamily="34" charset="-120"/>
+                <a:sym typeface="Wingdings" panose="05000000000000000000" pitchFamily="2" charset="2"/>
+              </a:rPr>
+              <a:t>    </a:t>
+            </a:r>
+            <a:r>
+              <a:rPr kumimoji="0" lang="en-US" altLang="zh-TW" sz="1400" dirty="0">
+                <a:latin typeface="微軟正黑體" panose="020B0604030504040204" pitchFamily="34" charset="-120"/>
+                <a:ea typeface="微軟正黑體" panose="020B0604030504040204" pitchFamily="34" charset="-120"/>
+                <a:sym typeface="Wingdings" panose="05000000000000000000" pitchFamily="2" charset="2"/>
+              </a:rPr>
+              <a:t>-</a:t>
+            </a:r>
+            <a:r>
+              <a:rPr kumimoji="0" lang="en-US" altLang="zh-TW" sz="1400" dirty="0" err="1">
+                <a:latin typeface="微軟正黑體" panose="020B0604030504040204" pitchFamily="34" charset="-120"/>
+                <a:ea typeface="微軟正黑體" panose="020B0604030504040204" pitchFamily="34" charset="-120"/>
+                <a:sym typeface="Wingdings" panose="05000000000000000000" pitchFamily="2" charset="2"/>
+              </a:rPr>
+              <a:t>CycleGAN</a:t>
+            </a:r>
+            <a:endParaRPr kumimoji="0" lang="en-US" altLang="zh-TW" sz="1400" dirty="0">
+              <a:latin typeface="微軟正黑體" panose="020B0604030504040204" pitchFamily="34" charset="-120"/>
+              <a:ea typeface="微軟正黑體" panose="020B0604030504040204" pitchFamily="34" charset="-120"/>
+              <a:sym typeface="Wingdings" panose="05000000000000000000" pitchFamily="2" charset="2"/>
             </a:endParaRPr>
           </a:p>
         </p:txBody>
       </p:sp>
       <p:sp>
         <p:nvSpPr>
-          <p:cNvPr id="10" name="文字方塊 9"/>
+          <p:cNvPr id="7" name="文字方塊 6">
+            <a:extLst>
+              <a:ext uri="{FF2B5EF4-FFF2-40B4-BE49-F238E27FC236}">
+                <a16:creationId xmlns:a16="http://schemas.microsoft.com/office/drawing/2014/main" id="{A042A298-1437-4D52-B408-0E5004805B97}"/>
+              </a:ext>
+            </a:extLst>
+          </p:cNvPr>
           <p:cNvSpPr txBox="1"/>
           <p:nvPr/>
         </p:nvSpPr>
         <p:spPr>
           <a:xfrm>
-            <a:off x="4427984" y="1275606"/>
+            <a:off x="611560" y="1435564"/>
             <a:ext cx="697627" cy="400110"/>
           </a:xfrm>
           <a:prstGeom prst="rect">
@@ -10391,92 +10015,12 @@
           <a:lstStyle/>
           <a:p>
             <a:r>
-              <a:rPr lang="zh-TW" altLang="en-US" sz="2000" b="1" dirty="0" smtClean="0">
+              <a:rPr lang="zh-TW" altLang="en-US" sz="2000" b="1" dirty="0">
                 <a:latin typeface="微軟正黑體" panose="020B0604030504040204" pitchFamily="34" charset="-120"/>
                 <a:ea typeface="微軟正黑體" panose="020B0604030504040204" pitchFamily="34" charset="-120"/>
               </a:rPr>
               <a:t>專案</a:t>
             </a:r>
-            <a:endParaRPr lang="zh-TW" altLang="en-US" sz="2000" b="1" dirty="0">
-              <a:latin typeface="微軟正黑體" panose="020B0604030504040204" pitchFamily="34" charset="-120"/>
-              <a:ea typeface="微軟正黑體" panose="020B0604030504040204" pitchFamily="34" charset="-120"/>
-            </a:endParaRPr>
-          </a:p>
-        </p:txBody>
-      </p:sp>
-      <p:sp>
-        <p:nvSpPr>
-          <p:cNvPr id="2" name="文字方塊 1"/>
-          <p:cNvSpPr txBox="1"/>
-          <p:nvPr/>
-        </p:nvSpPr>
-        <p:spPr>
-          <a:xfrm>
-            <a:off x="3098319" y="636535"/>
-            <a:ext cx="1300356" cy="523220"/>
-          </a:xfrm>
-          <a:prstGeom prst="rect">
-            <a:avLst/>
-          </a:prstGeom>
-          <a:noFill/>
-        </p:spPr>
-        <p:txBody>
-          <a:bodyPr wrap="none" rtlCol="0">
-            <a:spAutoFit/>
-          </a:bodyPr>
-          <a:lstStyle/>
-          <a:p>
-            <a:r>
-              <a:rPr kumimoji="0" lang="en-US" altLang="zh-TW" sz="1400" dirty="0" smtClean="0">
-                <a:solidFill>
-                  <a:srgbClr val="008000"/>
-                </a:solidFill>
-                <a:latin typeface="微軟正黑體" panose="020B0604030504040204" pitchFamily="34" charset="-120"/>
-                <a:ea typeface="微軟正黑體" panose="020B0604030504040204" pitchFamily="34" charset="-120"/>
-                <a:sym typeface="Wingdings" panose="05000000000000000000" pitchFamily="2" charset="2"/>
-              </a:rPr>
-              <a:t></a:t>
-            </a:r>
-            <a:r>
-              <a:rPr kumimoji="0" lang="en-US" altLang="zh-TW" sz="1400" dirty="0" smtClean="0">
-                <a:latin typeface="微軟正黑體" panose="020B0604030504040204" pitchFamily="34" charset="-120"/>
-                <a:ea typeface="微軟正黑體" panose="020B0604030504040204" pitchFamily="34" charset="-120"/>
-                <a:sym typeface="Wingdings" panose="05000000000000000000" pitchFamily="2" charset="2"/>
-              </a:rPr>
-              <a:t>-</a:t>
-            </a:r>
-            <a:r>
-              <a:rPr kumimoji="0" lang="zh-TW" altLang="en-US" sz="1400" dirty="0" smtClean="0">
-                <a:latin typeface="微軟正黑體" panose="020B0604030504040204" pitchFamily="34" charset="-120"/>
-                <a:ea typeface="微軟正黑體" panose="020B0604030504040204" pitchFamily="34" charset="-120"/>
-                <a:sym typeface="Wingdings" panose="05000000000000000000" pitchFamily="2" charset="2"/>
-              </a:rPr>
-              <a:t>今日進行中</a:t>
-            </a:r>
-            <a:endParaRPr kumimoji="0" lang="en-US" altLang="zh-TW" sz="1400" dirty="0" smtClean="0">
-              <a:latin typeface="微軟正黑體" panose="020B0604030504040204" pitchFamily="34" charset="-120"/>
-              <a:ea typeface="微軟正黑體" panose="020B0604030504040204" pitchFamily="34" charset="-120"/>
-              <a:sym typeface="Wingdings" panose="05000000000000000000" pitchFamily="2" charset="2"/>
-            </a:endParaRPr>
-          </a:p>
-          <a:p>
-            <a:r>
-              <a:rPr kumimoji="0" lang="en-US" altLang="zh-TW" sz="1400" dirty="0" smtClean="0">
-                <a:latin typeface="微軟正黑體" panose="020B0604030504040204" pitchFamily="34" charset="-120"/>
-                <a:ea typeface="微軟正黑體" panose="020B0604030504040204" pitchFamily="34" charset="-120"/>
-                <a:sym typeface="Wingdings" panose="05000000000000000000" pitchFamily="2" charset="2"/>
-              </a:rPr>
-              <a:t>-</a:t>
-            </a:r>
-            <a:r>
-              <a:rPr kumimoji="0" lang="zh-TW" altLang="en-US" sz="1400" dirty="0" smtClean="0">
-                <a:latin typeface="微軟正黑體" panose="020B0604030504040204" pitchFamily="34" charset="-120"/>
-                <a:ea typeface="微軟正黑體" panose="020B0604030504040204" pitchFamily="34" charset="-120"/>
-                <a:sym typeface="Wingdings" panose="05000000000000000000" pitchFamily="2" charset="2"/>
-              </a:rPr>
-              <a:t>今日已完成</a:t>
-            </a:r>
-            <a:endParaRPr lang="zh-TW" altLang="en-US" sz="1400" dirty="0"/>
           </a:p>
         </p:txBody>
       </p:sp>
@@ -10513,69 +10057,200 @@
       </p:grpSpPr>
       <p:sp>
         <p:nvSpPr>
-          <p:cNvPr id="4" name="標題 3"/>
+          <p:cNvPr id="2" name="投影片編號版面配置區 1">
+            <a:extLst>
+              <a:ext uri="{FF2B5EF4-FFF2-40B4-BE49-F238E27FC236}">
+                <a16:creationId xmlns:a16="http://schemas.microsoft.com/office/drawing/2014/main" id="{E05FF213-1079-4792-8800-0A85D83AE4BB}"/>
+              </a:ext>
+            </a:extLst>
+          </p:cNvPr>
           <p:cNvSpPr>
             <a:spLocks noGrp="1"/>
           </p:cNvSpPr>
           <p:nvPr>
-            <p:ph type="title"/>
+            <p:ph type="sldNum" sz="quarter" idx="12"/>
           </p:nvPr>
+        </p:nvSpPr>
+        <p:spPr/>
+        <p:txBody>
+          <a:bodyPr/>
+          <a:lstStyle/>
+          <a:p>
+            <a:fld id="{2E523DCD-4C79-4B52-A674-233DC12F4145}" type="slidenum">
+              <a:rPr lang="zh-CN" altLang="en-US" smtClean="0"/>
+              <a:pPr/>
+              <a:t>2</a:t>
+            </a:fld>
+            <a:endParaRPr lang="zh-CN" altLang="en-US" dirty="0"/>
+          </a:p>
+        </p:txBody>
+      </p:sp>
+      <p:sp>
+        <p:nvSpPr>
+          <p:cNvPr id="3" name="標題 1">
+            <a:extLst>
+              <a:ext uri="{FF2B5EF4-FFF2-40B4-BE49-F238E27FC236}">
+                <a16:creationId xmlns:a16="http://schemas.microsoft.com/office/drawing/2014/main" id="{D31C6E2F-7709-483C-B0CD-F7878F178E7A}"/>
+              </a:ext>
+            </a:extLst>
+          </p:cNvPr>
+          <p:cNvSpPr txBox="1">
+            <a:spLocks/>
+          </p:cNvSpPr>
+          <p:nvPr/>
         </p:nvSpPr>
         <p:spPr>
           <a:xfrm>
-            <a:off x="521550" y="35546"/>
-            <a:ext cx="7374505" cy="611349"/>
-          </a:xfrm>
+            <a:off x="527777" y="51470"/>
+            <a:ext cx="7464515" cy="1170130"/>
+          </a:xfrm>
+          <a:prstGeom prst="rect">
+            <a:avLst/>
+          </a:prstGeom>
         </p:spPr>
         <p:txBody>
           <a:bodyPr>
             <a:normAutofit/>
           </a:bodyPr>
-          <a:lstStyle/>
-          <a:p>
-            <a:r>
-              <a:rPr lang="en-US" altLang="zh-TW" sz="3000" dirty="0" smtClean="0"/>
-              <a:t>PI</a:t>
-            </a:r>
-            <a:r>
-              <a:rPr lang="zh-TW" altLang="en-US" sz="3000" dirty="0" smtClean="0"/>
-              <a:t> </a:t>
-            </a:r>
-            <a:r>
-              <a:rPr lang="en-US" altLang="zh-TW" sz="3000" dirty="0" smtClean="0"/>
-              <a:t>AOI</a:t>
-            </a:r>
-            <a:r>
-              <a:rPr lang="zh-TW" altLang="en-US" sz="3000" dirty="0" smtClean="0"/>
-              <a:t> 辨識</a:t>
-            </a:r>
-            <a:endParaRPr lang="zh-TW" altLang="en-US" sz="3000" dirty="0"/>
+          <a:lstStyle>
+            <a:lvl1pPr algn="l" defTabSz="914400" rtl="0" eaLnBrk="1" latinLnBrk="0" hangingPunct="1">
+              <a:spcBef>
+                <a:spcPct val="0"/>
+              </a:spcBef>
+              <a:buNone/>
+              <a:defRPr sz="3200" b="1" kern="1200" baseline="0">
+                <a:solidFill>
+                  <a:schemeClr val="tx1">
+                    <a:lumMod val="75000"/>
+                    <a:lumOff val="25000"/>
+                  </a:schemeClr>
+                </a:solidFill>
+                <a:latin typeface="Gill Sans MT" pitchFamily="34" charset="0"/>
+                <a:ea typeface="微軟正黑體" pitchFamily="34" charset="-120"/>
+                <a:cs typeface="+mj-cs"/>
+              </a:defRPr>
+            </a:lvl1pPr>
+          </a:lstStyle>
+          <a:p>
+            <a:pPr fontAlgn="auto">
+              <a:spcAft>
+                <a:spcPts val="0"/>
+              </a:spcAft>
+            </a:pPr>
+            <a:r>
+              <a:rPr kumimoji="0" lang="en-US" altLang="zh-TW" sz="3200" dirty="0">
+                <a:latin typeface="微軟正黑體" panose="020B0604030504040204" pitchFamily="34" charset="-120"/>
+                <a:ea typeface="微軟正黑體" panose="020B0604030504040204" pitchFamily="34" charset="-120"/>
+                <a:sym typeface="Wingdings" panose="05000000000000000000" pitchFamily="2" charset="2"/>
+              </a:rPr>
+              <a:t>DCGAN Result</a:t>
+            </a:r>
+            <a:endParaRPr kumimoji="0" lang="zh-TW" altLang="en-US" sz="3000" dirty="0"/>
           </a:p>
         </p:txBody>
       </p:sp>
       <p:pic>
         <p:nvPicPr>
-          <p:cNvPr id="2" name="圖片 1"/>
+          <p:cNvPr id="7" name="圖片 6">
+            <a:extLst>
+              <a:ext uri="{FF2B5EF4-FFF2-40B4-BE49-F238E27FC236}">
+                <a16:creationId xmlns:a16="http://schemas.microsoft.com/office/drawing/2014/main" id="{58B99C5E-5FF3-4870-A598-4402D73E356D}"/>
+              </a:ext>
+            </a:extLst>
+          </p:cNvPr>
           <p:cNvPicPr>
             <a:picLocks noChangeAspect="1"/>
           </p:cNvPicPr>
           <p:nvPr/>
         </p:nvPicPr>
-        <p:blipFill rotWithShape="1">
-          <a:blip r:embed="rId3" cstate="print">
+        <p:blipFill>
+          <a:blip r:embed="rId2">
             <a:extLst>
               <a:ext uri="{28A0092B-C50C-407E-A947-70E740481C1C}">
                 <a14:useLocalDpi xmlns:a14="http://schemas.microsoft.com/office/drawing/2010/main" val="0"/>
               </a:ext>
             </a:extLst>
           </a:blip>
-          <a:srcRect l="35692" t="23729" r="36660" b="39407"/>
-          <a:stretch/>
+          <a:stretch>
+            <a:fillRect/>
+          </a:stretch>
         </p:blipFill>
         <p:spPr>
           <a:xfrm>
-            <a:off x="1006564" y="850194"/>
-            <a:ext cx="810091" cy="810090"/>
+            <a:off x="2987824" y="757042"/>
+            <a:ext cx="5444124" cy="3629416"/>
+          </a:xfrm>
+          <a:prstGeom prst="rect">
+            <a:avLst/>
+          </a:prstGeom>
+        </p:spPr>
+      </p:pic>
+      <p:pic>
+        <p:nvPicPr>
+          <p:cNvPr id="9" name="圖片 8">
+            <a:extLst>
+              <a:ext uri="{FF2B5EF4-FFF2-40B4-BE49-F238E27FC236}">
+                <a16:creationId xmlns:a16="http://schemas.microsoft.com/office/drawing/2014/main" id="{EC83596D-898A-4705-8A16-DA78B82694B4}"/>
+              </a:ext>
+            </a:extLst>
+          </p:cNvPr>
+          <p:cNvPicPr>
+            <a:picLocks noChangeAspect="1"/>
+          </p:cNvPicPr>
+          <p:nvPr/>
+        </p:nvPicPr>
+        <p:blipFill>
+          <a:blip r:embed="rId3">
+            <a:extLst>
+              <a:ext uri="{28A0092B-C50C-407E-A947-70E740481C1C}">
+                <a14:useLocalDpi xmlns:a14="http://schemas.microsoft.com/office/drawing/2010/main" val="0"/>
+              </a:ext>
+            </a:extLst>
+          </a:blip>
+          <a:stretch>
+            <a:fillRect/>
+          </a:stretch>
+        </p:blipFill>
+        <p:spPr>
+          <a:xfrm>
+            <a:off x="1113458" y="2672078"/>
+            <a:ext cx="1363216" cy="1363216"/>
+          </a:xfrm>
+          <a:prstGeom prst="rect">
+            <a:avLst/>
+          </a:prstGeom>
+        </p:spPr>
+      </p:pic>
+      <p:pic>
+        <p:nvPicPr>
+          <p:cNvPr id="13" name="圖片 12">
+            <a:extLst>
+              <a:ext uri="{FF2B5EF4-FFF2-40B4-BE49-F238E27FC236}">
+                <a16:creationId xmlns:a16="http://schemas.microsoft.com/office/drawing/2014/main" id="{DF00551D-BBC8-4908-90A6-4C76DD4632EE}"/>
+              </a:ext>
+            </a:extLst>
+          </p:cNvPr>
+          <p:cNvPicPr>
+            <a:picLocks noChangeAspect="1"/>
+          </p:cNvPicPr>
+          <p:nvPr/>
+        </p:nvPicPr>
+        <p:blipFill>
+          <a:blip r:embed="rId4">
+            <a:extLst>
+              <a:ext uri="{28A0092B-C50C-407E-A947-70E740481C1C}">
+                <a14:useLocalDpi xmlns:a14="http://schemas.microsoft.com/office/drawing/2010/main" val="0"/>
+              </a:ext>
+            </a:extLst>
+          </a:blip>
+          <a:stretch>
+            <a:fillRect/>
+          </a:stretch>
+        </p:blipFill>
+        <p:spPr>
+          <a:xfrm>
+            <a:off x="1113458" y="1020970"/>
+            <a:ext cx="1363216" cy="1363216"/>
           </a:xfrm>
           <a:prstGeom prst="rect">
             <a:avLst/>
@@ -10584,14 +10259,20 @@
       </p:pic>
       <p:sp>
         <p:nvSpPr>
-          <p:cNvPr id="3" name="文字方塊 2"/>
+          <p:cNvPr id="16" name="文字方塊 15">
+            <a:extLst>
+              <a:ext uri="{FF2B5EF4-FFF2-40B4-BE49-F238E27FC236}">
+                <a16:creationId xmlns:a16="http://schemas.microsoft.com/office/drawing/2014/main" id="{E83B018C-E3E0-4445-8FCC-E281EFDF8E38}"/>
+              </a:ext>
+            </a:extLst>
+          </p:cNvPr>
           <p:cNvSpPr txBox="1"/>
           <p:nvPr/>
         </p:nvSpPr>
         <p:spPr>
           <a:xfrm>
-            <a:off x="120287" y="864436"/>
-            <a:ext cx="746166" cy="646331"/>
+            <a:off x="1428223" y="4201792"/>
+            <a:ext cx="659155" cy="369332"/>
           </a:xfrm>
           <a:prstGeom prst="rect">
             <a:avLst/>
@@ -10604,69 +10285,30 @@
           </a:bodyPr>
           <a:lstStyle/>
           <a:p>
-            <a:pPr algn="ctr"/>
-            <a:r>
-              <a:rPr lang="en-US" altLang="zh-TW" sz="1200" dirty="0" smtClean="0"/>
-              <a:t>APR RT</a:t>
-            </a:r>
-          </a:p>
-          <a:p>
-            <a:pPr algn="ctr"/>
-            <a:r>
-              <a:rPr lang="zh-TW" altLang="en-US" sz="1200" dirty="0" smtClean="0"/>
-              <a:t>透明</a:t>
-            </a:r>
-            <a:endParaRPr lang="en-US" altLang="zh-TW" sz="1200" dirty="0"/>
-          </a:p>
-          <a:p>
-            <a:pPr algn="ctr"/>
-            <a:r>
-              <a:rPr lang="zh-TW" altLang="en-US" sz="1200" dirty="0" smtClean="0"/>
-              <a:t>雙暈</a:t>
-            </a:r>
-            <a:endParaRPr lang="en-US" altLang="zh-TW" sz="1200" dirty="0" smtClean="0"/>
+            <a:r>
+              <a:rPr lang="en-US" altLang="zh-TW" dirty="0"/>
+              <a:t>Real</a:t>
+            </a:r>
+            <a:endParaRPr lang="zh-TW" altLang="en-US" dirty="0"/>
           </a:p>
         </p:txBody>
       </p:sp>
-      <p:pic>
-        <p:nvPicPr>
-          <p:cNvPr id="6" name="圖片 5"/>
-          <p:cNvPicPr>
-            <a:picLocks noChangeAspect="1"/>
-          </p:cNvPicPr>
-          <p:nvPr/>
-        </p:nvPicPr>
-        <p:blipFill rotWithShape="1">
-          <a:blip r:embed="rId4">
+      <p:sp>
+        <p:nvSpPr>
+          <p:cNvPr id="17" name="文字方塊 16">
             <a:extLst>
-              <a:ext uri="{28A0092B-C50C-407E-A947-70E740481C1C}">
-                <a14:useLocalDpi xmlns:a14="http://schemas.microsoft.com/office/drawing/2010/main" val="0"/>
+              <a:ext uri="{FF2B5EF4-FFF2-40B4-BE49-F238E27FC236}">
+                <a16:creationId xmlns:a16="http://schemas.microsoft.com/office/drawing/2014/main" id="{948F68AA-7B09-4946-87BA-3D6D252D5F18}"/>
               </a:ext>
             </a:extLst>
-          </a:blip>
-          <a:srcRect l="49512" t="49498" r="33754" b="26812"/>
-          <a:stretch/>
-        </p:blipFill>
-        <p:spPr>
-          <a:xfrm>
-            <a:off x="1007261" y="1833922"/>
-            <a:ext cx="815772" cy="866118"/>
-          </a:xfrm>
-          <a:prstGeom prst="rect">
-            <a:avLst/>
-          </a:prstGeom>
-        </p:spPr>
-      </p:pic>
-      <p:sp>
-        <p:nvSpPr>
-          <p:cNvPr id="7" name="文字方塊 6"/>
+          </p:cNvPr>
           <p:cNvSpPr txBox="1"/>
           <p:nvPr/>
         </p:nvSpPr>
         <p:spPr>
           <a:xfrm>
-            <a:off x="63385" y="1860951"/>
-            <a:ext cx="800219" cy="646331"/>
+            <a:off x="5220072" y="4201792"/>
+            <a:ext cx="1146468" cy="369332"/>
           </a:xfrm>
           <a:prstGeom prst="rect">
             <a:avLst/>
@@ -10679,1499 +10321,25 @@
           </a:bodyPr>
           <a:lstStyle/>
           <a:p>
-            <a:pPr algn="ctr"/>
-            <a:r>
-              <a:rPr lang="en-US" altLang="zh-TW" sz="1200" dirty="0" smtClean="0"/>
-              <a:t>Gel</a:t>
-            </a:r>
-          </a:p>
-          <a:p>
-            <a:pPr algn="ctr"/>
-            <a:r>
-              <a:rPr lang="zh-TW" altLang="en-US" sz="1200" dirty="0"/>
-              <a:t>透明</a:t>
-            </a:r>
-            <a:endParaRPr lang="en-US" altLang="zh-TW" sz="1200" dirty="0" smtClean="0"/>
-          </a:p>
-          <a:p>
-            <a:pPr algn="ctr"/>
-            <a:r>
-              <a:rPr lang="zh-TW" altLang="en-US" sz="1200" dirty="0" smtClean="0"/>
-              <a:t>不規則狀</a:t>
-            </a:r>
-            <a:endParaRPr lang="en-US" altLang="zh-TW" sz="1200" dirty="0" smtClean="0"/>
-          </a:p>
-        </p:txBody>
-      </p:sp>
-      <p:pic>
-        <p:nvPicPr>
-          <p:cNvPr id="8" name="圖片 7"/>
-          <p:cNvPicPr>
-            <a:picLocks noChangeAspect="1"/>
-          </p:cNvPicPr>
-          <p:nvPr/>
-        </p:nvPicPr>
-        <p:blipFill rotWithShape="1">
-          <a:blip r:embed="rId5">
-            <a:extLst>
-              <a:ext uri="{28A0092B-C50C-407E-A947-70E740481C1C}">
-                <a14:useLocalDpi xmlns:a14="http://schemas.microsoft.com/office/drawing/2010/main" val="0"/>
-              </a:ext>
-            </a:extLst>
-          </a:blip>
-          <a:srcRect l="33561" t="34658" r="50301" b="45020"/>
-          <a:stretch/>
-        </p:blipFill>
-        <p:spPr>
-          <a:xfrm>
-            <a:off x="1012943" y="2850819"/>
-            <a:ext cx="810090" cy="801669"/>
-          </a:xfrm>
-          <a:prstGeom prst="rect">
-            <a:avLst/>
-          </a:prstGeom>
-        </p:spPr>
-      </p:pic>
-      <p:sp>
-        <p:nvSpPr>
-          <p:cNvPr id="9" name="文字方塊 8"/>
-          <p:cNvSpPr txBox="1"/>
-          <p:nvPr/>
-        </p:nvSpPr>
-        <p:spPr>
-          <a:xfrm>
-            <a:off x="40432" y="2850819"/>
-            <a:ext cx="800219" cy="646331"/>
-          </a:xfrm>
-          <a:prstGeom prst="rect">
-            <a:avLst/>
-          </a:prstGeom>
-          <a:noFill/>
-        </p:spPr>
-        <p:txBody>
-          <a:bodyPr wrap="none" rtlCol="0">
-            <a:spAutoFit/>
-          </a:bodyPr>
-          <a:lstStyle/>
-          <a:p>
-            <a:pPr algn="ctr"/>
-            <a:r>
-              <a:rPr lang="en-US" altLang="zh-TW" sz="1200" dirty="0" smtClean="0"/>
-              <a:t>OPI PT</a:t>
-            </a:r>
-          </a:p>
-          <a:p>
-            <a:pPr algn="ctr"/>
-            <a:r>
-              <a:rPr lang="zh-TW" altLang="en-US" sz="1200" dirty="0"/>
-              <a:t>無</a:t>
-            </a:r>
-            <a:r>
-              <a:rPr lang="zh-TW" altLang="en-US" sz="1200" dirty="0" smtClean="0"/>
-              <a:t>暈</a:t>
-            </a:r>
-            <a:endParaRPr lang="en-US" altLang="zh-TW" sz="1200" dirty="0" smtClean="0"/>
-          </a:p>
-          <a:p>
-            <a:pPr algn="ctr"/>
-            <a:r>
-              <a:rPr lang="zh-TW" altLang="en-US" sz="1200" dirty="0" smtClean="0"/>
-              <a:t>不規則狀</a:t>
-            </a:r>
-            <a:endParaRPr lang="en-US" altLang="zh-TW" sz="1200" dirty="0" smtClean="0"/>
-          </a:p>
-        </p:txBody>
-      </p:sp>
-      <p:pic>
-        <p:nvPicPr>
-          <p:cNvPr id="10" name="圖片 9"/>
-          <p:cNvPicPr>
-            <a:picLocks noChangeAspect="1"/>
-          </p:cNvPicPr>
-          <p:nvPr/>
-        </p:nvPicPr>
-        <p:blipFill rotWithShape="1">
-          <a:blip r:embed="rId6" cstate="print">
-            <a:extLst>
-              <a:ext uri="{28A0092B-C50C-407E-A947-70E740481C1C}">
-                <a14:useLocalDpi xmlns:a14="http://schemas.microsoft.com/office/drawing/2010/main" val="0"/>
-              </a:ext>
-            </a:extLst>
-          </a:blip>
-          <a:srcRect l="16842" r="6396"/>
-          <a:stretch/>
-        </p:blipFill>
-        <p:spPr>
-          <a:xfrm>
-            <a:off x="1012943" y="3910533"/>
-            <a:ext cx="820496" cy="801669"/>
-          </a:xfrm>
-          <a:prstGeom prst="rect">
-            <a:avLst/>
-          </a:prstGeom>
-        </p:spPr>
-      </p:pic>
-      <p:sp>
-        <p:nvSpPr>
-          <p:cNvPr id="11" name="文字方塊 10"/>
-          <p:cNvSpPr txBox="1"/>
-          <p:nvPr/>
-        </p:nvSpPr>
-        <p:spPr>
-          <a:xfrm>
-            <a:off x="-36512" y="3942034"/>
-            <a:ext cx="954107" cy="646331"/>
-          </a:xfrm>
-          <a:prstGeom prst="rect">
-            <a:avLst/>
-          </a:prstGeom>
-          <a:noFill/>
-        </p:spPr>
-        <p:txBody>
-          <a:bodyPr wrap="none" rtlCol="0">
-            <a:spAutoFit/>
-          </a:bodyPr>
-          <a:lstStyle/>
-          <a:p>
-            <a:pPr algn="ctr"/>
-            <a:r>
-              <a:rPr lang="en-US" altLang="zh-TW" sz="1200" dirty="0" smtClean="0"/>
-              <a:t>PI Spot</a:t>
-            </a:r>
-          </a:p>
-          <a:p>
-            <a:pPr algn="ctr"/>
-            <a:r>
-              <a:rPr lang="zh-TW" altLang="en-US" sz="1200" dirty="0"/>
-              <a:t>大</a:t>
-            </a:r>
-            <a:r>
-              <a:rPr lang="zh-TW" altLang="en-US" sz="1200" dirty="0" smtClean="0"/>
-              <a:t>範圍透明</a:t>
-            </a:r>
-            <a:endParaRPr lang="en-US" altLang="zh-TW" sz="1200" dirty="0" smtClean="0"/>
-          </a:p>
-          <a:p>
-            <a:pPr algn="ctr"/>
-            <a:r>
-              <a:rPr lang="zh-TW" altLang="en-US" sz="1200" dirty="0" smtClean="0"/>
-              <a:t>圓形狀</a:t>
-            </a:r>
-            <a:endParaRPr lang="en-US" altLang="zh-TW" sz="1200" dirty="0" smtClean="0"/>
-          </a:p>
-        </p:txBody>
-      </p:sp>
-      <p:pic>
-        <p:nvPicPr>
-          <p:cNvPr id="12" name="圖片 11"/>
-          <p:cNvPicPr>
-            <a:picLocks noChangeAspect="1"/>
-          </p:cNvPicPr>
-          <p:nvPr/>
-        </p:nvPicPr>
-        <p:blipFill rotWithShape="1">
-          <a:blip r:embed="rId7" cstate="print">
-            <a:extLst>
-              <a:ext uri="{28A0092B-C50C-407E-A947-70E740481C1C}">
-                <a14:useLocalDpi xmlns:a14="http://schemas.microsoft.com/office/drawing/2010/main" val="0"/>
-              </a:ext>
-            </a:extLst>
-          </a:blip>
-          <a:srcRect l="55250" t="36000" r="21782" b="36001"/>
-          <a:stretch/>
-        </p:blipFill>
-        <p:spPr>
-          <a:xfrm>
-            <a:off x="3143969" y="857604"/>
-            <a:ext cx="877931" cy="802680"/>
-          </a:xfrm>
-          <a:prstGeom prst="rect">
-            <a:avLst/>
-          </a:prstGeom>
-        </p:spPr>
-      </p:pic>
-      <p:sp>
-        <p:nvSpPr>
-          <p:cNvPr id="13" name="文字方塊 12"/>
-          <p:cNvSpPr txBox="1"/>
-          <p:nvPr/>
-        </p:nvSpPr>
-        <p:spPr>
-          <a:xfrm>
-            <a:off x="2016273" y="885072"/>
-            <a:ext cx="954107" cy="646331"/>
-          </a:xfrm>
-          <a:prstGeom prst="rect">
-            <a:avLst/>
-          </a:prstGeom>
-          <a:noFill/>
-        </p:spPr>
-        <p:txBody>
-          <a:bodyPr wrap="none" rtlCol="0">
-            <a:spAutoFit/>
-          </a:bodyPr>
-          <a:lstStyle/>
-          <a:p>
-            <a:pPr algn="ctr"/>
-            <a:r>
-              <a:rPr lang="en-US" altLang="zh-TW" sz="1200" dirty="0" smtClean="0"/>
-              <a:t>SPS</a:t>
-            </a:r>
-          </a:p>
-          <a:p>
-            <a:pPr algn="ctr"/>
-            <a:r>
-              <a:rPr lang="zh-TW" altLang="en-US" sz="1200" dirty="0"/>
-              <a:t>小</a:t>
-            </a:r>
-            <a:r>
-              <a:rPr lang="zh-TW" altLang="en-US" sz="1200" dirty="0" smtClean="0"/>
-              <a:t>範圍透明</a:t>
-            </a:r>
-            <a:endParaRPr lang="en-US" altLang="zh-TW" sz="1200" dirty="0" smtClean="0"/>
-          </a:p>
-          <a:p>
-            <a:pPr algn="ctr"/>
-            <a:r>
-              <a:rPr lang="zh-TW" altLang="en-US" sz="1200" dirty="0" smtClean="0"/>
-              <a:t>圓形狀</a:t>
-            </a:r>
-            <a:endParaRPr lang="en-US" altLang="zh-TW" sz="1200" dirty="0" smtClean="0"/>
-          </a:p>
-        </p:txBody>
-      </p:sp>
-      <p:sp>
-        <p:nvSpPr>
-          <p:cNvPr id="16" name="文字方塊 15"/>
-          <p:cNvSpPr txBox="1"/>
-          <p:nvPr/>
-        </p:nvSpPr>
-        <p:spPr>
-          <a:xfrm>
-            <a:off x="1882716" y="1897649"/>
-            <a:ext cx="1194558" cy="646331"/>
-          </a:xfrm>
-          <a:prstGeom prst="rect">
-            <a:avLst/>
-          </a:prstGeom>
-          <a:noFill/>
-        </p:spPr>
-        <p:txBody>
-          <a:bodyPr wrap="none" rtlCol="0">
-            <a:spAutoFit/>
-          </a:bodyPr>
-          <a:lstStyle/>
-          <a:p>
-            <a:pPr algn="ctr"/>
-            <a:r>
-              <a:rPr lang="en-US" altLang="zh-TW" sz="1200" dirty="0" smtClean="0"/>
-              <a:t>UP</a:t>
-            </a:r>
-            <a:r>
-              <a:rPr lang="zh-TW" altLang="en-US" sz="1200" dirty="0" smtClean="0"/>
-              <a:t> </a:t>
-            </a:r>
-            <a:r>
-              <a:rPr lang="en-US" altLang="zh-TW" sz="1200" dirty="0" smtClean="0"/>
-              <a:t>Polymer</a:t>
-            </a:r>
-            <a:endParaRPr lang="zh-TW" altLang="en-US" sz="1200" dirty="0" smtClean="0"/>
-          </a:p>
-          <a:p>
-            <a:pPr algn="ctr"/>
-            <a:r>
-              <a:rPr lang="zh-TW" altLang="en-US" sz="1200" dirty="0" smtClean="0"/>
-              <a:t>外圍大的暈</a:t>
-            </a:r>
-            <a:endParaRPr lang="en-US" altLang="zh-TW" sz="1200" dirty="0" smtClean="0"/>
-          </a:p>
-          <a:p>
-            <a:pPr algn="ctr"/>
-            <a:r>
-              <a:rPr lang="zh-TW" altLang="en-US" sz="1200" dirty="0" smtClean="0"/>
-              <a:t>中間不規則</a:t>
-            </a:r>
-            <a:r>
-              <a:rPr lang="en-US" altLang="zh-TW" sz="1200" dirty="0" smtClean="0"/>
-              <a:t>P/T</a:t>
-            </a:r>
-          </a:p>
-        </p:txBody>
-      </p:sp>
-      <p:sp>
-        <p:nvSpPr>
-          <p:cNvPr id="18" name="文字方塊 17"/>
-          <p:cNvSpPr txBox="1"/>
-          <p:nvPr/>
-        </p:nvSpPr>
-        <p:spPr>
-          <a:xfrm>
-            <a:off x="1879673" y="2948977"/>
-            <a:ext cx="1194558" cy="646331"/>
-          </a:xfrm>
-          <a:prstGeom prst="rect">
-            <a:avLst/>
-          </a:prstGeom>
-          <a:noFill/>
-        </p:spPr>
-        <p:txBody>
-          <a:bodyPr wrap="none" rtlCol="0">
-            <a:spAutoFit/>
-          </a:bodyPr>
-          <a:lstStyle/>
-          <a:p>
-            <a:pPr algn="ctr"/>
-            <a:r>
-              <a:rPr lang="en-US" altLang="zh-TW" sz="1200" dirty="0" smtClean="0"/>
-              <a:t>UP</a:t>
-            </a:r>
-            <a:r>
-              <a:rPr lang="zh-TW" altLang="en-US" sz="1200" dirty="0" smtClean="0"/>
-              <a:t> </a:t>
-            </a:r>
-            <a:r>
-              <a:rPr lang="en-US" altLang="zh-TW" sz="1200" dirty="0" err="1" smtClean="0"/>
-              <a:t>PreBake</a:t>
-            </a:r>
-            <a:endParaRPr lang="en-US" altLang="zh-TW" sz="1200" dirty="0" smtClean="0"/>
-          </a:p>
-          <a:p>
-            <a:pPr algn="ctr"/>
-            <a:r>
-              <a:rPr lang="zh-TW" altLang="en-US" sz="1200" dirty="0" smtClean="0"/>
-              <a:t>外圍小的暈</a:t>
-            </a:r>
-            <a:endParaRPr lang="en-US" altLang="zh-TW" sz="1200" dirty="0" smtClean="0"/>
-          </a:p>
-          <a:p>
-            <a:pPr algn="ctr"/>
-            <a:r>
-              <a:rPr lang="zh-TW" altLang="en-US" sz="1200" dirty="0"/>
-              <a:t>中間不規則</a:t>
-            </a:r>
-            <a:r>
-              <a:rPr lang="en-US" altLang="zh-TW" sz="1200" dirty="0"/>
-              <a:t>P/T</a:t>
-            </a:r>
-          </a:p>
-        </p:txBody>
-      </p:sp>
-      <p:pic>
-        <p:nvPicPr>
-          <p:cNvPr id="20" name="圖片 19"/>
-          <p:cNvPicPr>
-            <a:picLocks noChangeAspect="1"/>
-          </p:cNvPicPr>
-          <p:nvPr/>
-        </p:nvPicPr>
-        <p:blipFill rotWithShape="1">
-          <a:blip r:embed="rId8">
-            <a:extLst>
-              <a:ext uri="{28A0092B-C50C-407E-A947-70E740481C1C}">
-                <a14:useLocalDpi xmlns:a14="http://schemas.microsoft.com/office/drawing/2010/main" val="0"/>
-              </a:ext>
-            </a:extLst>
-          </a:blip>
-          <a:srcRect l="38506" t="37801" r="40771" b="34571"/>
-          <a:stretch/>
-        </p:blipFill>
-        <p:spPr>
-          <a:xfrm>
-            <a:off x="3121800" y="2913824"/>
-            <a:ext cx="895419" cy="895420"/>
-          </a:xfrm>
-          <a:prstGeom prst="rect">
-            <a:avLst/>
-          </a:prstGeom>
-        </p:spPr>
-      </p:pic>
-      <p:pic>
-        <p:nvPicPr>
-          <p:cNvPr id="21" name="圖片 20"/>
-          <p:cNvPicPr>
-            <a:picLocks noChangeAspect="1"/>
-          </p:cNvPicPr>
-          <p:nvPr/>
-        </p:nvPicPr>
-        <p:blipFill rotWithShape="1">
-          <a:blip r:embed="rId9" cstate="print">
-            <a:extLst>
-              <a:ext uri="{28A0092B-C50C-407E-A947-70E740481C1C}">
-                <a14:useLocalDpi xmlns:a14="http://schemas.microsoft.com/office/drawing/2010/main" val="0"/>
-              </a:ext>
-            </a:extLst>
-          </a:blip>
-          <a:srcRect l="42349" t="25855" r="15456" b="22999"/>
-          <a:stretch/>
-        </p:blipFill>
-        <p:spPr>
-          <a:xfrm>
-            <a:off x="3122869" y="1879806"/>
-            <a:ext cx="877598" cy="797816"/>
-          </a:xfrm>
-          <a:prstGeom prst="rect">
-            <a:avLst/>
-          </a:prstGeom>
-        </p:spPr>
-      </p:pic>
-      <p:pic>
-        <p:nvPicPr>
-          <p:cNvPr id="22" name="圖片 21"/>
-          <p:cNvPicPr>
-            <a:picLocks noChangeAspect="1"/>
-          </p:cNvPicPr>
-          <p:nvPr/>
-        </p:nvPicPr>
-        <p:blipFill rotWithShape="1">
-          <a:blip r:embed="rId10" cstate="print">
-            <a:extLst>
-              <a:ext uri="{28A0092B-C50C-407E-A947-70E740481C1C}">
-                <a14:useLocalDpi xmlns:a14="http://schemas.microsoft.com/office/drawing/2010/main" val="0"/>
-              </a:ext>
-            </a:extLst>
-          </a:blip>
-          <a:srcRect l="25852"/>
-          <a:stretch/>
-        </p:blipFill>
-        <p:spPr>
-          <a:xfrm>
-            <a:off x="3107907" y="3949048"/>
-            <a:ext cx="907523" cy="917957"/>
-          </a:xfrm>
-          <a:prstGeom prst="rect">
-            <a:avLst/>
-          </a:prstGeom>
-        </p:spPr>
-      </p:pic>
-      <p:sp>
-        <p:nvSpPr>
-          <p:cNvPr id="23" name="文字方塊 22"/>
-          <p:cNvSpPr txBox="1"/>
-          <p:nvPr/>
-        </p:nvSpPr>
-        <p:spPr>
-          <a:xfrm>
-            <a:off x="2093218" y="4049756"/>
-            <a:ext cx="800219" cy="461665"/>
-          </a:xfrm>
-          <a:prstGeom prst="rect">
-            <a:avLst/>
-          </a:prstGeom>
-          <a:noFill/>
-        </p:spPr>
-        <p:txBody>
-          <a:bodyPr wrap="none" rtlCol="0">
-            <a:spAutoFit/>
-          </a:bodyPr>
-          <a:lstStyle/>
-          <a:p>
-            <a:pPr algn="ctr"/>
-            <a:r>
-              <a:rPr lang="en-US" altLang="zh-TW" sz="1200" dirty="0" smtClean="0"/>
-              <a:t>Other</a:t>
-            </a:r>
-          </a:p>
-          <a:p>
-            <a:pPr algn="ctr"/>
-            <a:r>
-              <a:rPr lang="zh-TW" altLang="en-US" sz="1200" dirty="0" smtClean="0"/>
-              <a:t>其他類</a:t>
-            </a:r>
-            <a:r>
-              <a:rPr lang="zh-TW" altLang="en-US" sz="1200" dirty="0"/>
-              <a:t>型</a:t>
-            </a:r>
-            <a:endParaRPr lang="en-US" altLang="zh-TW" sz="1200" dirty="0" smtClean="0"/>
-          </a:p>
-        </p:txBody>
-      </p:sp>
-      <p:pic>
-        <p:nvPicPr>
-          <p:cNvPr id="5" name="圖片 4"/>
-          <p:cNvPicPr>
-            <a:picLocks noChangeAspect="1"/>
-          </p:cNvPicPr>
-          <p:nvPr/>
-        </p:nvPicPr>
-        <p:blipFill rotWithShape="1">
-          <a:blip r:embed="rId11" cstate="print">
-            <a:extLst>
-              <a:ext uri="{28A0092B-C50C-407E-A947-70E740481C1C}">
-                <a14:useLocalDpi xmlns:a14="http://schemas.microsoft.com/office/drawing/2010/main" val="0"/>
-              </a:ext>
-            </a:extLst>
-          </a:blip>
-          <a:srcRect r="27688" b="16750"/>
-          <a:stretch/>
-        </p:blipFill>
-        <p:spPr>
-          <a:xfrm>
-            <a:off x="4021900" y="1884217"/>
-            <a:ext cx="914499" cy="789614"/>
-          </a:xfrm>
-          <a:prstGeom prst="rect">
-            <a:avLst/>
-          </a:prstGeom>
-        </p:spPr>
-      </p:pic>
-      <p:sp>
-        <p:nvSpPr>
-          <p:cNvPr id="25" name="文字方塊 24"/>
-          <p:cNvSpPr txBox="1"/>
-          <p:nvPr/>
-        </p:nvSpPr>
-        <p:spPr>
-          <a:xfrm>
-            <a:off x="3463260" y="2636313"/>
-            <a:ext cx="1117164" cy="276999"/>
-          </a:xfrm>
-          <a:prstGeom prst="rect">
-            <a:avLst/>
-          </a:prstGeom>
-          <a:noFill/>
-        </p:spPr>
-        <p:txBody>
-          <a:bodyPr wrap="none" rtlCol="0">
-            <a:spAutoFit/>
-          </a:bodyPr>
-          <a:lstStyle/>
-          <a:p>
-            <a:pPr algn="ctr"/>
-            <a:r>
-              <a:rPr lang="en-US" altLang="zh-TW" sz="1200" dirty="0" smtClean="0"/>
-              <a:t>A</a:t>
-            </a:r>
-            <a:r>
-              <a:rPr lang="zh-TW" altLang="en-US" sz="1200" dirty="0" smtClean="0"/>
-              <a:t>                 </a:t>
-            </a:r>
-            <a:r>
-              <a:rPr lang="en-US" altLang="zh-TW" sz="1200" dirty="0" smtClean="0"/>
-              <a:t>B</a:t>
-            </a:r>
-          </a:p>
-        </p:txBody>
-      </p:sp>
-      <p:graphicFrame>
-        <p:nvGraphicFramePr>
-          <p:cNvPr id="14" name="表格 13"/>
-          <p:cNvGraphicFramePr>
-            <a:graphicFrameLocks noGrp="1"/>
-          </p:cNvGraphicFramePr>
-          <p:nvPr>
-            <p:extLst>
-              <p:ext uri="{D42A27DB-BD31-4B8C-83A1-F6EECF244321}">
-                <p14:modId xmlns:p14="http://schemas.microsoft.com/office/powerpoint/2010/main" val="4216089827"/>
-              </p:ext>
-            </p:extLst>
-          </p:nvPr>
-        </p:nvGraphicFramePr>
-        <p:xfrm>
-          <a:off x="5004048" y="915566"/>
-          <a:ext cx="3600401" cy="4079240"/>
-        </p:xfrm>
-        <a:graphic>
-          <a:graphicData uri="http://schemas.openxmlformats.org/drawingml/2006/table">
-            <a:tbl>
-              <a:tblPr firstRow="1" bandRow="1">
-                <a:tableStyleId>{5C22544A-7EE6-4342-B048-85BDC9FD1C3A}</a:tableStyleId>
-              </a:tblPr>
-              <a:tblGrid>
-                <a:gridCol w="1152128"/>
-                <a:gridCol w="1224136"/>
-                <a:gridCol w="1224137"/>
-              </a:tblGrid>
-              <a:tr h="370840">
-                <a:tc>
-                  <a:txBody>
-                    <a:bodyPr/>
-                    <a:lstStyle/>
-                    <a:p>
-                      <a:r>
-                        <a:rPr lang="en-US" altLang="zh-TW" sz="1200" dirty="0" smtClean="0"/>
-                        <a:t>Efficientnet-B4</a:t>
-                      </a:r>
-                      <a:endParaRPr lang="zh-TW" altLang="en-US" sz="1200" dirty="0"/>
-                    </a:p>
-                  </a:txBody>
-                  <a:tcPr/>
-                </a:tc>
-                <a:tc>
-                  <a:txBody>
-                    <a:bodyPr/>
-                    <a:lstStyle/>
-                    <a:p>
-                      <a:r>
-                        <a:rPr lang="en-US" altLang="zh-TW" sz="1200" dirty="0" smtClean="0"/>
-                        <a:t>Top 1 accuracy</a:t>
-                      </a:r>
-                      <a:endParaRPr lang="zh-TW" altLang="en-US" sz="1200" dirty="0"/>
-                    </a:p>
-                  </a:txBody>
-                  <a:tcPr/>
-                </a:tc>
-                <a:tc>
-                  <a:txBody>
-                    <a:bodyPr/>
-                    <a:lstStyle/>
-                    <a:p>
-                      <a:r>
-                        <a:rPr lang="en-US" altLang="zh-TW" sz="1200" dirty="0" smtClean="0"/>
-                        <a:t>Top 2 accuracy</a:t>
-                      </a:r>
-                      <a:endParaRPr lang="zh-TW" altLang="en-US" sz="1200" dirty="0"/>
-                    </a:p>
-                  </a:txBody>
-                  <a:tcPr/>
-                </a:tc>
-              </a:tr>
-              <a:tr h="370840">
-                <a:tc>
-                  <a:txBody>
-                    <a:bodyPr/>
-                    <a:lstStyle/>
-                    <a:p>
-                      <a:r>
-                        <a:rPr lang="en-US" altLang="zh-TW" sz="1200" dirty="0" smtClean="0"/>
-                        <a:t>APR_PT</a:t>
-                      </a:r>
-                      <a:endParaRPr lang="zh-TW" altLang="en-US" sz="1200" dirty="0"/>
-                    </a:p>
-                  </a:txBody>
-                  <a:tcPr/>
-                </a:tc>
-                <a:tc>
-                  <a:txBody>
-                    <a:bodyPr/>
-                    <a:lstStyle/>
-                    <a:p>
-                      <a:r>
-                        <a:rPr lang="en-US" altLang="zh-TW" sz="1200" dirty="0" smtClean="0"/>
-                        <a:t>13/30, </a:t>
-                      </a:r>
-                      <a:r>
-                        <a:rPr lang="en-US" altLang="zh-TW" sz="1200" dirty="0" smtClean="0">
-                          <a:solidFill>
-                            <a:srgbClr val="FF0000"/>
-                          </a:solidFill>
-                        </a:rPr>
-                        <a:t>43%</a:t>
-                      </a:r>
-                      <a:endParaRPr lang="zh-TW" altLang="en-US" sz="1200" dirty="0">
-                        <a:solidFill>
-                          <a:srgbClr val="FF0000"/>
-                        </a:solidFill>
-                      </a:endParaRPr>
-                    </a:p>
-                  </a:txBody>
-                  <a:tcPr/>
-                </a:tc>
-                <a:tc>
-                  <a:txBody>
-                    <a:bodyPr/>
-                    <a:lstStyle/>
-                    <a:p>
-                      <a:r>
-                        <a:rPr lang="en-US" altLang="zh-TW" sz="1200" dirty="0" smtClean="0"/>
-                        <a:t>27/30, </a:t>
-                      </a:r>
-                      <a:r>
-                        <a:rPr lang="en-US" altLang="zh-TW" sz="1200" dirty="0" smtClean="0">
-                          <a:solidFill>
-                            <a:srgbClr val="FF0000"/>
-                          </a:solidFill>
-                        </a:rPr>
-                        <a:t>90%</a:t>
-                      </a:r>
-                      <a:endParaRPr lang="zh-TW" altLang="en-US" sz="1200" dirty="0">
-                        <a:solidFill>
-                          <a:srgbClr val="FF0000"/>
-                        </a:solidFill>
-                      </a:endParaRPr>
-                    </a:p>
-                  </a:txBody>
-                  <a:tcPr/>
-                </a:tc>
-              </a:tr>
-              <a:tr h="370840">
-                <a:tc>
-                  <a:txBody>
-                    <a:bodyPr/>
-                    <a:lstStyle/>
-                    <a:p>
-                      <a:r>
-                        <a:rPr lang="en-US" altLang="zh-TW" sz="1200" dirty="0" smtClean="0"/>
-                        <a:t>Gel</a:t>
-                      </a:r>
-                      <a:endParaRPr lang="zh-TW" altLang="en-US" sz="1200" dirty="0"/>
-                    </a:p>
-                  </a:txBody>
-                  <a:tcPr/>
-                </a:tc>
-                <a:tc>
-                  <a:txBody>
-                    <a:bodyPr/>
-                    <a:lstStyle/>
-                    <a:p>
-                      <a:r>
-                        <a:rPr lang="en-US" altLang="zh-TW" sz="1200" dirty="0" smtClean="0"/>
-                        <a:t>75/80, </a:t>
-                      </a:r>
-                      <a:r>
-                        <a:rPr lang="en-US" altLang="zh-TW" sz="1200" dirty="0" smtClean="0">
-                          <a:solidFill>
-                            <a:srgbClr val="FF0000"/>
-                          </a:solidFill>
-                        </a:rPr>
-                        <a:t>94%</a:t>
-                      </a:r>
-                      <a:endParaRPr lang="zh-TW" altLang="en-US" sz="1200" dirty="0">
-                        <a:solidFill>
-                          <a:srgbClr val="FF0000"/>
-                        </a:solidFill>
-                      </a:endParaRPr>
-                    </a:p>
-                  </a:txBody>
-                  <a:tcPr/>
-                </a:tc>
-                <a:tc>
-                  <a:txBody>
-                    <a:bodyPr/>
-                    <a:lstStyle/>
-                    <a:p>
-                      <a:r>
-                        <a:rPr lang="en-US" altLang="zh-TW" sz="1200" dirty="0" smtClean="0"/>
-                        <a:t>79/80, 99%</a:t>
-                      </a:r>
-                      <a:endParaRPr lang="zh-TW" altLang="en-US" sz="1200" dirty="0"/>
-                    </a:p>
-                  </a:txBody>
-                  <a:tcPr/>
-                </a:tc>
-              </a:tr>
-              <a:tr h="370840">
-                <a:tc>
-                  <a:txBody>
-                    <a:bodyPr/>
-                    <a:lstStyle/>
-                    <a:p>
-                      <a:r>
-                        <a:rPr lang="en-US" altLang="zh-TW" sz="1200" dirty="0" smtClean="0"/>
-                        <a:t>OPI_PT</a:t>
-                      </a:r>
-                      <a:endParaRPr lang="zh-TW" altLang="en-US" sz="1200" dirty="0"/>
-                    </a:p>
-                  </a:txBody>
-                  <a:tcPr/>
-                </a:tc>
-                <a:tc>
-                  <a:txBody>
-                    <a:bodyPr/>
-                    <a:lstStyle/>
-                    <a:p>
-                      <a:r>
-                        <a:rPr lang="en-US" altLang="zh-TW" sz="1200" dirty="0" smtClean="0"/>
-                        <a:t>487/490, </a:t>
-                      </a:r>
-                      <a:r>
-                        <a:rPr lang="en-US" altLang="zh-TW" sz="1200" dirty="0" smtClean="0">
-                          <a:solidFill>
-                            <a:srgbClr val="FF0000"/>
-                          </a:solidFill>
-                        </a:rPr>
-                        <a:t>99%</a:t>
-                      </a:r>
-                      <a:endParaRPr lang="zh-TW" altLang="en-US" sz="1200" dirty="0">
-                        <a:solidFill>
-                          <a:srgbClr val="FF0000"/>
-                        </a:solidFill>
-                      </a:endParaRPr>
-                    </a:p>
-                  </a:txBody>
-                  <a:tcPr/>
-                </a:tc>
-                <a:tc>
-                  <a:txBody>
-                    <a:bodyPr/>
-                    <a:lstStyle/>
-                    <a:p>
-                      <a:r>
-                        <a:rPr lang="en-US" altLang="zh-TW" sz="1200" dirty="0" smtClean="0"/>
-                        <a:t>489/490, 99%</a:t>
-                      </a:r>
-                      <a:endParaRPr lang="zh-TW" altLang="en-US" sz="1200" dirty="0"/>
-                    </a:p>
-                  </a:txBody>
-                  <a:tcPr/>
-                </a:tc>
-              </a:tr>
-              <a:tr h="370840">
-                <a:tc>
-                  <a:txBody>
-                    <a:bodyPr/>
-                    <a:lstStyle/>
-                    <a:p>
-                      <a:r>
-                        <a:rPr lang="en-US" altLang="zh-TW" sz="1200" dirty="0" err="1" smtClean="0"/>
-                        <a:t>PI_Spot</a:t>
-                      </a:r>
-                      <a:endParaRPr lang="zh-TW" altLang="en-US" sz="1200" dirty="0"/>
-                    </a:p>
-                  </a:txBody>
-                  <a:tcPr/>
-                </a:tc>
-                <a:tc>
-                  <a:txBody>
-                    <a:bodyPr/>
-                    <a:lstStyle/>
-                    <a:p>
-                      <a:r>
-                        <a:rPr lang="en-US" altLang="zh-TW" sz="1200" dirty="0" smtClean="0"/>
-                        <a:t>33/41, </a:t>
-                      </a:r>
-                      <a:r>
-                        <a:rPr lang="en-US" altLang="zh-TW" sz="1200" dirty="0" smtClean="0">
-                          <a:solidFill>
-                            <a:srgbClr val="FF0000"/>
-                          </a:solidFill>
-                        </a:rPr>
-                        <a:t>80%</a:t>
-                      </a:r>
-                      <a:endParaRPr lang="zh-TW" altLang="en-US" sz="1200" dirty="0">
-                        <a:solidFill>
-                          <a:srgbClr val="FF0000"/>
-                        </a:solidFill>
-                      </a:endParaRPr>
-                    </a:p>
-                  </a:txBody>
-                  <a:tcPr/>
-                </a:tc>
-                <a:tc>
-                  <a:txBody>
-                    <a:bodyPr/>
-                    <a:lstStyle/>
-                    <a:p>
-                      <a:r>
-                        <a:rPr lang="en-US" altLang="zh-TW" sz="1200" dirty="0" smtClean="0"/>
-                        <a:t>35/41, </a:t>
-                      </a:r>
-                      <a:r>
-                        <a:rPr lang="en-US" altLang="zh-TW" sz="1200" dirty="0" smtClean="0">
-                          <a:solidFill>
-                            <a:srgbClr val="FF0000"/>
-                          </a:solidFill>
-                        </a:rPr>
-                        <a:t>85%</a:t>
-                      </a:r>
-                      <a:endParaRPr lang="zh-TW" altLang="en-US" sz="1200" dirty="0">
-                        <a:solidFill>
-                          <a:srgbClr val="FF0000"/>
-                        </a:solidFill>
-                      </a:endParaRPr>
-                    </a:p>
-                  </a:txBody>
-                  <a:tcPr/>
-                </a:tc>
-              </a:tr>
-              <a:tr h="370840">
-                <a:tc>
-                  <a:txBody>
-                    <a:bodyPr/>
-                    <a:lstStyle/>
-                    <a:p>
-                      <a:r>
-                        <a:rPr lang="en-US" altLang="zh-TW" sz="1200" dirty="0" smtClean="0"/>
-                        <a:t>SPS</a:t>
-                      </a:r>
-                      <a:endParaRPr lang="zh-TW" altLang="en-US" sz="1200" dirty="0"/>
-                    </a:p>
-                  </a:txBody>
-                  <a:tcPr/>
-                </a:tc>
-                <a:tc>
-                  <a:txBody>
-                    <a:bodyPr/>
-                    <a:lstStyle/>
-                    <a:p>
-                      <a:r>
-                        <a:rPr lang="en-US" altLang="zh-TW" sz="1200" dirty="0" smtClean="0"/>
-                        <a:t>435/435, </a:t>
-                      </a:r>
-                      <a:r>
-                        <a:rPr lang="en-US" altLang="zh-TW" sz="1200" dirty="0" smtClean="0">
-                          <a:solidFill>
-                            <a:srgbClr val="FF0000"/>
-                          </a:solidFill>
-                        </a:rPr>
-                        <a:t>100%</a:t>
-                      </a:r>
-                      <a:endParaRPr lang="zh-TW" altLang="en-US" sz="1200" dirty="0">
-                        <a:solidFill>
-                          <a:srgbClr val="FF0000"/>
-                        </a:solidFill>
-                      </a:endParaRPr>
-                    </a:p>
-                  </a:txBody>
-                  <a:tcPr/>
-                </a:tc>
-                <a:tc>
-                  <a:txBody>
-                    <a:bodyPr/>
-                    <a:lstStyle/>
-                    <a:p>
-                      <a:r>
-                        <a:rPr lang="en-US" altLang="zh-TW" sz="1200" dirty="0" smtClean="0"/>
-                        <a:t>435/435, 100%</a:t>
-                      </a:r>
-                      <a:endParaRPr lang="zh-TW" altLang="en-US" sz="1200" dirty="0"/>
-                    </a:p>
-                  </a:txBody>
-                  <a:tcPr/>
-                </a:tc>
-              </a:tr>
-              <a:tr h="370840">
-                <a:tc>
-                  <a:txBody>
-                    <a:bodyPr/>
-                    <a:lstStyle/>
-                    <a:p>
-                      <a:pPr marL="0" marR="0" indent="0" algn="l" defTabSz="914400" rtl="0" eaLnBrk="1" fontAlgn="auto" latinLnBrk="0" hangingPunct="1">
-                        <a:lnSpc>
-                          <a:spcPct val="100000"/>
-                        </a:lnSpc>
-                        <a:spcBef>
-                          <a:spcPts val="0"/>
-                        </a:spcBef>
-                        <a:spcAft>
-                          <a:spcPts val="0"/>
-                        </a:spcAft>
-                        <a:buClrTx/>
-                        <a:buSzTx/>
-                        <a:buFontTx/>
-                        <a:buNone/>
-                        <a:tabLst/>
-                        <a:defRPr/>
-                      </a:pPr>
-                      <a:r>
-                        <a:rPr lang="en-US" altLang="zh-TW" sz="1200" dirty="0" smtClean="0"/>
-                        <a:t>UP</a:t>
-                      </a:r>
-                      <a:r>
-                        <a:rPr lang="zh-TW" altLang="en-US" sz="1200" dirty="0" smtClean="0"/>
-                        <a:t> </a:t>
-                      </a:r>
-                      <a:r>
-                        <a:rPr lang="en-US" altLang="zh-TW" sz="1200" dirty="0" smtClean="0"/>
-                        <a:t>Polymer</a:t>
-                      </a:r>
-                      <a:r>
-                        <a:rPr lang="zh-TW" altLang="en-US" sz="1200" baseline="0" dirty="0" smtClean="0"/>
-                        <a:t> </a:t>
-                      </a:r>
-                      <a:r>
-                        <a:rPr lang="en-US" altLang="zh-TW" sz="1200" baseline="0" dirty="0" smtClean="0"/>
-                        <a:t>A</a:t>
-                      </a:r>
-                      <a:endParaRPr lang="zh-TW" altLang="en-US" sz="1200" dirty="0" smtClean="0"/>
-                    </a:p>
-                  </a:txBody>
-                  <a:tcPr/>
-                </a:tc>
-                <a:tc>
-                  <a:txBody>
-                    <a:bodyPr/>
-                    <a:lstStyle/>
-                    <a:p>
-                      <a:r>
-                        <a:rPr lang="en-US" altLang="zh-TW" sz="1200" dirty="0" smtClean="0"/>
-                        <a:t>47/88, </a:t>
-                      </a:r>
-                      <a:r>
-                        <a:rPr lang="en-US" altLang="zh-TW" sz="1200" dirty="0" smtClean="0">
-                          <a:solidFill>
-                            <a:srgbClr val="FF0000"/>
-                          </a:solidFill>
-                        </a:rPr>
-                        <a:t>53%</a:t>
-                      </a:r>
-                      <a:endParaRPr lang="zh-TW" altLang="en-US" sz="1200" dirty="0">
-                        <a:solidFill>
-                          <a:srgbClr val="FF0000"/>
-                        </a:solidFill>
-                      </a:endParaRPr>
-                    </a:p>
-                  </a:txBody>
-                  <a:tcPr/>
-                </a:tc>
-                <a:tc>
-                  <a:txBody>
-                    <a:bodyPr/>
-                    <a:lstStyle/>
-                    <a:p>
-                      <a:r>
-                        <a:rPr lang="en-US" altLang="zh-TW" sz="1200" dirty="0" smtClean="0"/>
-                        <a:t>81/88, </a:t>
-                      </a:r>
-                      <a:r>
-                        <a:rPr lang="en-US" altLang="zh-TW" sz="1200" dirty="0" smtClean="0">
-                          <a:solidFill>
-                            <a:srgbClr val="FF0000"/>
-                          </a:solidFill>
-                        </a:rPr>
-                        <a:t>92%</a:t>
-                      </a:r>
-                      <a:endParaRPr lang="zh-TW" altLang="en-US" sz="1200" dirty="0">
-                        <a:solidFill>
-                          <a:srgbClr val="FF0000"/>
-                        </a:solidFill>
-                      </a:endParaRPr>
-                    </a:p>
-                  </a:txBody>
-                  <a:tcPr/>
-                </a:tc>
-              </a:tr>
-              <a:tr h="370840">
-                <a:tc>
-                  <a:txBody>
-                    <a:bodyPr/>
-                    <a:lstStyle/>
-                    <a:p>
-                      <a:pPr marL="0" marR="0" indent="0" algn="l" defTabSz="914400" rtl="0" eaLnBrk="1" fontAlgn="auto" latinLnBrk="0" hangingPunct="1">
-                        <a:lnSpc>
-                          <a:spcPct val="100000"/>
-                        </a:lnSpc>
-                        <a:spcBef>
-                          <a:spcPts val="0"/>
-                        </a:spcBef>
-                        <a:spcAft>
-                          <a:spcPts val="0"/>
-                        </a:spcAft>
-                        <a:buClrTx/>
-                        <a:buSzTx/>
-                        <a:buFontTx/>
-                        <a:buNone/>
-                        <a:tabLst/>
-                        <a:defRPr/>
-                      </a:pPr>
-                      <a:r>
-                        <a:rPr lang="en-US" altLang="zh-TW" sz="1200" dirty="0" smtClean="0"/>
-                        <a:t>UP</a:t>
-                      </a:r>
-                      <a:r>
-                        <a:rPr lang="zh-TW" altLang="en-US" sz="1200" dirty="0" smtClean="0"/>
-                        <a:t> </a:t>
-                      </a:r>
-                      <a:r>
-                        <a:rPr lang="en-US" altLang="zh-TW" sz="1200" dirty="0" smtClean="0"/>
-                        <a:t>Polymer</a:t>
-                      </a:r>
-                      <a:r>
-                        <a:rPr lang="zh-TW" altLang="en-US" sz="1200" baseline="0" dirty="0" smtClean="0"/>
-                        <a:t> </a:t>
-                      </a:r>
-                      <a:r>
-                        <a:rPr lang="en-US" altLang="zh-TW" sz="1200" baseline="0" dirty="0" smtClean="0"/>
-                        <a:t>B</a:t>
-                      </a:r>
-                      <a:endParaRPr lang="zh-TW" altLang="en-US" sz="1200" dirty="0" smtClean="0"/>
-                    </a:p>
-                  </a:txBody>
-                  <a:tcPr/>
-                </a:tc>
-                <a:tc>
-                  <a:txBody>
-                    <a:bodyPr/>
-                    <a:lstStyle/>
-                    <a:p>
-                      <a:r>
-                        <a:rPr lang="en-US" altLang="zh-TW" sz="1200" dirty="0" smtClean="0"/>
-                        <a:t>11/14, </a:t>
-                      </a:r>
-                      <a:r>
-                        <a:rPr lang="en-US" altLang="zh-TW" sz="1200" dirty="0" smtClean="0">
-                          <a:solidFill>
-                            <a:srgbClr val="FF0000"/>
-                          </a:solidFill>
-                        </a:rPr>
-                        <a:t>79%</a:t>
-                      </a:r>
-                      <a:endParaRPr lang="zh-TW" altLang="en-US" sz="1200" dirty="0">
-                        <a:solidFill>
-                          <a:srgbClr val="FF0000"/>
-                        </a:solidFill>
-                      </a:endParaRPr>
-                    </a:p>
-                  </a:txBody>
-                  <a:tcPr/>
-                </a:tc>
-                <a:tc>
-                  <a:txBody>
-                    <a:bodyPr/>
-                    <a:lstStyle/>
-                    <a:p>
-                      <a:r>
-                        <a:rPr lang="en-US" altLang="zh-TW" sz="1200" dirty="0" smtClean="0"/>
-                        <a:t>13/14, </a:t>
-                      </a:r>
-                      <a:r>
-                        <a:rPr lang="en-US" altLang="zh-TW" sz="1200" dirty="0" smtClean="0">
-                          <a:solidFill>
-                            <a:srgbClr val="FF0000"/>
-                          </a:solidFill>
-                        </a:rPr>
-                        <a:t>93%</a:t>
-                      </a:r>
-                      <a:endParaRPr lang="zh-TW" altLang="en-US" sz="1200" dirty="0">
-                        <a:solidFill>
-                          <a:srgbClr val="FF0000"/>
-                        </a:solidFill>
-                      </a:endParaRPr>
-                    </a:p>
-                  </a:txBody>
-                  <a:tcPr/>
-                </a:tc>
-              </a:tr>
-              <a:tr h="370840">
-                <a:tc>
-                  <a:txBody>
-                    <a:bodyPr/>
-                    <a:lstStyle/>
-                    <a:p>
-                      <a:pPr marL="0" marR="0" indent="0" algn="l" defTabSz="914400" rtl="0" eaLnBrk="1" fontAlgn="auto" latinLnBrk="0" hangingPunct="1">
-                        <a:lnSpc>
-                          <a:spcPct val="100000"/>
-                        </a:lnSpc>
-                        <a:spcBef>
-                          <a:spcPts val="0"/>
-                        </a:spcBef>
-                        <a:spcAft>
-                          <a:spcPts val="0"/>
-                        </a:spcAft>
-                        <a:buClrTx/>
-                        <a:buSzTx/>
-                        <a:buFontTx/>
-                        <a:buNone/>
-                        <a:tabLst/>
-                        <a:defRPr/>
-                      </a:pPr>
-                      <a:r>
-                        <a:rPr lang="en-US" altLang="zh-TW" sz="1200" dirty="0" smtClean="0"/>
-                        <a:t>UP</a:t>
-                      </a:r>
-                      <a:r>
-                        <a:rPr lang="zh-TW" altLang="en-US" sz="1200" dirty="0" smtClean="0"/>
-                        <a:t> </a:t>
-                      </a:r>
-                      <a:r>
-                        <a:rPr lang="en-US" altLang="zh-TW" sz="1200" dirty="0" err="1" smtClean="0"/>
-                        <a:t>PreBake</a:t>
-                      </a:r>
-                      <a:endParaRPr lang="en-US" altLang="zh-TW" sz="1200" dirty="0" smtClean="0"/>
-                    </a:p>
-                  </a:txBody>
-                  <a:tcPr/>
-                </a:tc>
-                <a:tc>
-                  <a:txBody>
-                    <a:bodyPr/>
-                    <a:lstStyle/>
-                    <a:p>
-                      <a:r>
-                        <a:rPr lang="en-US" altLang="zh-TW" sz="1200" dirty="0" smtClean="0"/>
-                        <a:t>59/89, </a:t>
-                      </a:r>
-                      <a:r>
-                        <a:rPr lang="en-US" altLang="zh-TW" sz="1200" dirty="0" smtClean="0">
-                          <a:solidFill>
-                            <a:srgbClr val="FF0000"/>
-                          </a:solidFill>
-                        </a:rPr>
-                        <a:t>66%</a:t>
-                      </a:r>
-                      <a:endParaRPr lang="zh-TW" altLang="en-US" sz="1200" dirty="0">
-                        <a:solidFill>
-                          <a:srgbClr val="FF0000"/>
-                        </a:solidFill>
-                      </a:endParaRPr>
-                    </a:p>
-                  </a:txBody>
-                  <a:tcPr/>
-                </a:tc>
-                <a:tc>
-                  <a:txBody>
-                    <a:bodyPr/>
-                    <a:lstStyle/>
-                    <a:p>
-                      <a:r>
-                        <a:rPr lang="en-US" altLang="zh-TW" sz="1200" dirty="0" smtClean="0"/>
-                        <a:t>75/89, </a:t>
-                      </a:r>
-                      <a:r>
-                        <a:rPr lang="en-US" altLang="zh-TW" sz="1200" dirty="0" smtClean="0">
-                          <a:solidFill>
-                            <a:srgbClr val="FF0000"/>
-                          </a:solidFill>
-                        </a:rPr>
-                        <a:t>84%</a:t>
-                      </a:r>
-                      <a:endParaRPr lang="zh-TW" altLang="en-US" sz="1200" dirty="0">
-                        <a:solidFill>
-                          <a:srgbClr val="FF0000"/>
-                        </a:solidFill>
-                      </a:endParaRPr>
-                    </a:p>
-                  </a:txBody>
-                  <a:tcPr/>
-                </a:tc>
-              </a:tr>
-              <a:tr h="370840">
-                <a:tc>
-                  <a:txBody>
-                    <a:bodyPr/>
-                    <a:lstStyle/>
-                    <a:p>
-                      <a:pPr marL="0" marR="0" indent="0" algn="l" defTabSz="914400" rtl="0" eaLnBrk="1" fontAlgn="auto" latinLnBrk="0" hangingPunct="1">
-                        <a:lnSpc>
-                          <a:spcPct val="100000"/>
-                        </a:lnSpc>
-                        <a:spcBef>
-                          <a:spcPts val="0"/>
-                        </a:spcBef>
-                        <a:spcAft>
-                          <a:spcPts val="0"/>
-                        </a:spcAft>
-                        <a:buClrTx/>
-                        <a:buSzTx/>
-                        <a:buFontTx/>
-                        <a:buNone/>
-                        <a:tabLst/>
-                        <a:defRPr/>
-                      </a:pPr>
-                      <a:r>
-                        <a:rPr lang="en-US" altLang="zh-TW" sz="1200" dirty="0" smtClean="0"/>
-                        <a:t>Others</a:t>
-                      </a:r>
-                      <a:endParaRPr lang="zh-TW" altLang="en-US" sz="1200" dirty="0" smtClean="0"/>
-                    </a:p>
-                  </a:txBody>
-                  <a:tcPr/>
-                </a:tc>
-                <a:tc>
-                  <a:txBody>
-                    <a:bodyPr/>
-                    <a:lstStyle/>
-                    <a:p>
-                      <a:r>
-                        <a:rPr lang="en-US" altLang="zh-TW" sz="1200" dirty="0" smtClean="0"/>
-                        <a:t>104/138, </a:t>
-                      </a:r>
-                      <a:r>
-                        <a:rPr lang="en-US" altLang="zh-TW" sz="1200" dirty="0" smtClean="0">
-                          <a:solidFill>
-                            <a:srgbClr val="FF0000"/>
-                          </a:solidFill>
-                        </a:rPr>
-                        <a:t>75%</a:t>
-                      </a:r>
-                      <a:endParaRPr lang="zh-TW" altLang="en-US" sz="1200" dirty="0">
-                        <a:solidFill>
-                          <a:srgbClr val="FF0000"/>
-                        </a:solidFill>
-                      </a:endParaRPr>
-                    </a:p>
-                  </a:txBody>
-                  <a:tcPr/>
-                </a:tc>
-                <a:tc>
-                  <a:txBody>
-                    <a:bodyPr/>
-                    <a:lstStyle/>
-                    <a:p>
-                      <a:r>
-                        <a:rPr lang="en-US" altLang="zh-TW" sz="1200" dirty="0" smtClean="0"/>
-                        <a:t>108/138, 78%</a:t>
-                      </a:r>
-                      <a:endParaRPr lang="zh-TW" altLang="en-US" sz="1200" dirty="0"/>
-                    </a:p>
-                  </a:txBody>
-                  <a:tcPr/>
-                </a:tc>
-              </a:tr>
-              <a:tr h="370840">
-                <a:tc>
-                  <a:txBody>
-                    <a:bodyPr/>
-                    <a:lstStyle/>
-                    <a:p>
-                      <a:pPr marL="0" marR="0" indent="0" algn="l" defTabSz="914400" rtl="0" eaLnBrk="1" fontAlgn="auto" latinLnBrk="0" hangingPunct="1">
-                        <a:lnSpc>
-                          <a:spcPct val="100000"/>
-                        </a:lnSpc>
-                        <a:spcBef>
-                          <a:spcPts val="0"/>
-                        </a:spcBef>
-                        <a:spcAft>
-                          <a:spcPts val="0"/>
-                        </a:spcAft>
-                        <a:buClrTx/>
-                        <a:buSzTx/>
-                        <a:buFontTx/>
-                        <a:buNone/>
-                        <a:tabLst/>
-                        <a:defRPr/>
-                      </a:pPr>
-                      <a:r>
-                        <a:rPr lang="en-US" altLang="zh-TW" sz="1200" dirty="0" smtClean="0"/>
-                        <a:t>Total</a:t>
-                      </a:r>
-                      <a:endParaRPr lang="zh-TW" altLang="en-US" sz="1200" dirty="0" smtClean="0"/>
-                    </a:p>
-                  </a:txBody>
-                  <a:tcPr/>
-                </a:tc>
-                <a:tc>
-                  <a:txBody>
-                    <a:bodyPr/>
-                    <a:lstStyle/>
-                    <a:p>
-                      <a:r>
-                        <a:rPr lang="en-US" altLang="zh-TW" sz="1200" dirty="0" smtClean="0"/>
-                        <a:t>1264/1405, </a:t>
-                      </a:r>
-                      <a:r>
-                        <a:rPr lang="en-US" altLang="zh-TW" sz="1200" dirty="0" smtClean="0">
-                          <a:solidFill>
-                            <a:srgbClr val="FF0000"/>
-                          </a:solidFill>
-                        </a:rPr>
-                        <a:t>90%</a:t>
-                      </a:r>
-                      <a:endParaRPr lang="zh-TW" altLang="en-US" sz="1200" dirty="0">
-                        <a:solidFill>
-                          <a:srgbClr val="FF0000"/>
-                        </a:solidFill>
-                      </a:endParaRPr>
-                    </a:p>
-                  </a:txBody>
-                  <a:tcPr/>
-                </a:tc>
-                <a:tc>
-                  <a:txBody>
-                    <a:bodyPr/>
-                    <a:lstStyle/>
-                    <a:p>
-                      <a:r>
-                        <a:rPr lang="en-US" altLang="zh-TW" sz="1200" dirty="0" smtClean="0"/>
-                        <a:t>1342/1405,</a:t>
-                      </a:r>
-                      <a:r>
-                        <a:rPr lang="en-US" altLang="zh-TW" sz="1200" baseline="0" dirty="0" smtClean="0"/>
-                        <a:t> </a:t>
-                      </a:r>
-                      <a:r>
-                        <a:rPr lang="en-US" altLang="zh-TW" sz="1200" dirty="0" smtClean="0">
-                          <a:solidFill>
-                            <a:srgbClr val="FF0000"/>
-                          </a:solidFill>
-                        </a:rPr>
-                        <a:t>96%</a:t>
-                      </a:r>
-                      <a:endParaRPr lang="zh-TW" altLang="en-US" sz="1200" dirty="0">
-                        <a:solidFill>
-                          <a:srgbClr val="FF0000"/>
-                        </a:solidFill>
-                      </a:endParaRPr>
-                    </a:p>
-                  </a:txBody>
-                  <a:tcPr/>
-                </a:tc>
-              </a:tr>
-            </a:tbl>
-          </a:graphicData>
-        </a:graphic>
-      </p:graphicFrame>
-      <p:sp>
-        <p:nvSpPr>
-          <p:cNvPr id="15" name="文字方塊 14"/>
-          <p:cNvSpPr txBox="1"/>
-          <p:nvPr/>
-        </p:nvSpPr>
-        <p:spPr>
-          <a:xfrm>
-            <a:off x="4936399" y="627534"/>
-            <a:ext cx="3481274" cy="307777"/>
-          </a:xfrm>
-          <a:prstGeom prst="rect">
-            <a:avLst/>
-          </a:prstGeom>
-          <a:noFill/>
-        </p:spPr>
-        <p:txBody>
-          <a:bodyPr wrap="none" rtlCol="0">
-            <a:spAutoFit/>
-          </a:bodyPr>
-          <a:lstStyle/>
-          <a:p>
-            <a:r>
-              <a:rPr lang="en-US" altLang="zh-TW" sz="1400" dirty="0">
-                <a:latin typeface="微軟正黑體" panose="020B0604030504040204" pitchFamily="34" charset="-120"/>
-                <a:ea typeface="微軟正黑體" panose="020B0604030504040204" pitchFamily="34" charset="-120"/>
-              </a:rPr>
-              <a:t>Top 2 </a:t>
-            </a:r>
-            <a:r>
-              <a:rPr lang="en-US" altLang="zh-TW" sz="1400" dirty="0" smtClean="0">
-                <a:latin typeface="微軟正黑體" panose="020B0604030504040204" pitchFamily="34" charset="-120"/>
-                <a:ea typeface="微軟正黑體" panose="020B0604030504040204" pitchFamily="34" charset="-120"/>
-              </a:rPr>
-              <a:t>:</a:t>
-            </a:r>
-            <a:r>
-              <a:rPr lang="zh-TW" altLang="en-US" sz="1400" dirty="0" smtClean="0">
-                <a:latin typeface="微軟正黑體" panose="020B0604030504040204" pitchFamily="34" charset="-120"/>
-                <a:ea typeface="微軟正黑體" panose="020B0604030504040204" pitchFamily="34" charset="-120"/>
-              </a:rPr>
-              <a:t> 信心度前 </a:t>
-            </a:r>
-            <a:r>
-              <a:rPr lang="en-US" altLang="zh-TW" sz="1400" dirty="0" smtClean="0">
-                <a:latin typeface="微軟正黑體" panose="020B0604030504040204" pitchFamily="34" charset="-120"/>
-                <a:ea typeface="微軟正黑體" panose="020B0604030504040204" pitchFamily="34" charset="-120"/>
-              </a:rPr>
-              <a:t>2</a:t>
-            </a:r>
-            <a:r>
-              <a:rPr lang="zh-TW" altLang="en-US" sz="1400" dirty="0" smtClean="0">
-                <a:latin typeface="微軟正黑體" panose="020B0604030504040204" pitchFamily="34" charset="-120"/>
-                <a:ea typeface="微軟正黑體" panose="020B0604030504040204" pitchFamily="34" charset="-120"/>
-              </a:rPr>
-              <a:t> 名中有包含正確的類別</a:t>
-            </a:r>
-            <a:endParaRPr lang="zh-TW" altLang="en-US" sz="1400" dirty="0">
-              <a:latin typeface="微軟正黑體" panose="020B0604030504040204" pitchFamily="34" charset="-120"/>
-              <a:ea typeface="微軟正黑體" panose="020B0604030504040204" pitchFamily="34" charset="-120"/>
-            </a:endParaRPr>
+            <a:r>
+              <a:rPr lang="en-US" altLang="zh-TW" dirty="0"/>
+              <a:t>Generate</a:t>
+            </a:r>
+            <a:endParaRPr lang="zh-TW" altLang="en-US" dirty="0"/>
           </a:p>
         </p:txBody>
       </p:sp>
     </p:spTree>
     <p:extLst>
       <p:ext uri="{BB962C8B-B14F-4D97-AF65-F5344CB8AC3E}">
-        <p14:creationId xmlns:p14="http://schemas.microsoft.com/office/powerpoint/2010/main" val="3340070754"/>
+        <p14:creationId xmlns:p14="http://schemas.microsoft.com/office/powerpoint/2010/main" val="3702592386"/>
       </p:ext>
     </p:extLst>
   </p:cSld>
   <p:clrMapOvr>
     <a:masterClrMapping/>
   </p:clrMapOvr>
-  <p:transition/>
-  <p:timing>
-    <p:tnLst>
-      <p:par>
-        <p:cTn id="1" dur="indefinite" restart="never" nodeType="tmRoot"/>
-      </p:par>
-    </p:tnLst>
-  </p:timing>
+  <p:transition spd="slow"/>
 </p:sld>
 </file>
 

--- a/WFH進度報告_宗賢_20210524.pptx
+++ b/WFH進度報告_宗賢_20210524.pptx
@@ -5,14 +5,15 @@
     <p:sldMasterId id="2147489160" r:id="rId1"/>
   </p:sldMasterIdLst>
   <p:notesMasterIdLst>
-    <p:notesMasterId r:id="rId4"/>
+    <p:notesMasterId r:id="rId5"/>
   </p:notesMasterIdLst>
   <p:handoutMasterIdLst>
-    <p:handoutMasterId r:id="rId5"/>
+    <p:handoutMasterId r:id="rId6"/>
   </p:handoutMasterIdLst>
   <p:sldIdLst>
     <p:sldId id="1388" r:id="rId2"/>
     <p:sldId id="1389" r:id="rId3"/>
+    <p:sldId id="1390" r:id="rId4"/>
   </p:sldIdLst>
   <p:sldSz cx="9144000" cy="5143500" type="screen16x9"/>
   <p:notesSz cx="6858000" cy="9144000"/>
@@ -298,7 +299,7 @@
               <a:pPr>
                 <a:defRPr/>
               </a:pPr>
-              <a:t>2021/5/27</a:t>
+              <a:t>2021/5/28</a:t>
             </a:fld>
             <a:endParaRPr lang="en-US" altLang="zh-TW"/>
           </a:p>
@@ -544,7 +545,7 @@
               <a:pPr>
                 <a:defRPr/>
               </a:pPr>
-              <a:t>2021/5/27</a:t>
+              <a:t>2021/5/28</a:t>
             </a:fld>
             <a:endParaRPr lang="en-US" altLang="zh-TW"/>
           </a:p>
@@ -5473,7 +5474,7 @@
             <a:fld id="{171D8B99-A286-4F86-A88F-D4691B02D3A1}" type="datetime1">
               <a:rPr lang="zh-CN" altLang="en-US" smtClean="0"/>
               <a:pPr/>
-              <a:t>2021/5/27</a:t>
+              <a:t>2021/5/28</a:t>
             </a:fld>
             <a:endParaRPr lang="zh-CN" altLang="en-US"/>
           </a:p>
@@ -5711,7 +5712,7 @@
             <a:fld id="{B796EA4A-5B87-4648-9126-86FCB99AC20E}" type="datetime1">
               <a:rPr lang="zh-CN" altLang="en-US" smtClean="0"/>
               <a:pPr/>
-              <a:t>2021/5/27</a:t>
+              <a:t>2021/5/28</a:t>
             </a:fld>
             <a:endParaRPr lang="zh-CN" altLang="en-US"/>
           </a:p>
@@ -8626,7 +8627,7 @@
             <a:fld id="{171D8B99-A286-4F86-A88F-D4691B02D3A1}" type="datetime1">
               <a:rPr lang="zh-CN" altLang="en-US" smtClean="0"/>
               <a:pPr/>
-              <a:t>2021/5/27</a:t>
+              <a:t>2021/5/28</a:t>
             </a:fld>
             <a:endParaRPr lang="zh-CN" altLang="en-US"/>
           </a:p>
@@ -8833,7 +8834,7 @@
             <a:fld id="{B796EA4A-5B87-4648-9126-86FCB99AC20E}" type="datetime1">
               <a:rPr lang="zh-CN" altLang="en-US" smtClean="0"/>
               <a:pPr/>
-              <a:t>2021/5/27</a:t>
+              <a:t>2021/5/28</a:t>
             </a:fld>
             <a:endParaRPr lang="zh-CN" altLang="en-US"/>
           </a:p>
@@ -9677,7 +9678,7 @@
               <a:rPr kumimoji="0" lang="en-US" altLang="zh-TW" sz="3000" dirty="0">
                 <a:latin typeface="微軟正黑體" panose="020B0604030504040204" pitchFamily="34" charset="-120"/>
               </a:rPr>
-              <a:t>5/27</a:t>
+              <a:t>5/28</a:t>
             </a:r>
             <a:r>
               <a:rPr kumimoji="0" lang="zh-TW" altLang="en-US" sz="3000" dirty="0">
@@ -9795,8 +9796,8 @@
         </p:nvSpPr>
         <p:spPr>
           <a:xfrm>
-            <a:off x="611560" y="1995686"/>
-            <a:ext cx="2600392" cy="1268361"/>
+            <a:off x="5076056" y="2195768"/>
+            <a:ext cx="2645276" cy="945195"/>
           </a:xfrm>
           <a:prstGeom prst="rect">
             <a:avLst/>
@@ -9882,14 +9883,11 @@
             </a:pPr>
             <a:r>
               <a:rPr kumimoji="0" lang="en-US" altLang="zh-TW" sz="1400" dirty="0">
-                <a:solidFill>
-                  <a:srgbClr val="008000"/>
-                </a:solidFill>
                 <a:latin typeface="微軟正黑體" panose="020B0604030504040204" pitchFamily="34" charset="-120"/>
                 <a:ea typeface="微軟正黑體" panose="020B0604030504040204" pitchFamily="34" charset="-120"/>
                 <a:sym typeface="Wingdings" panose="05000000000000000000" pitchFamily="2" charset="2"/>
               </a:rPr>
-              <a:t></a:t>
+              <a:t> </a:t>
             </a:r>
             <a:r>
               <a:rPr kumimoji="0" lang="en-US" altLang="zh-TW" sz="1400" dirty="0">
@@ -9934,41 +9932,20 @@
               </a:spcAft>
             </a:pPr>
             <a:r>
+              <a:rPr kumimoji="0" lang="zh-TW" altLang="en-US" sz="1400" dirty="0">
+                <a:latin typeface="微軟正黑體" panose="020B0604030504040204" pitchFamily="34" charset="-120"/>
+                <a:ea typeface="微軟正黑體" panose="020B0604030504040204" pitchFamily="34" charset="-120"/>
+                <a:sym typeface="Wingdings" panose="05000000000000000000" pitchFamily="2" charset="2"/>
+              </a:rPr>
+              <a:t>    </a:t>
+            </a:r>
+            <a:r>
               <a:rPr kumimoji="0" lang="en-US" altLang="zh-TW" sz="1400" dirty="0">
                 <a:latin typeface="微軟正黑體" panose="020B0604030504040204" pitchFamily="34" charset="-120"/>
                 <a:ea typeface="微軟正黑體" panose="020B0604030504040204" pitchFamily="34" charset="-120"/>
                 <a:sym typeface="Wingdings" panose="05000000000000000000" pitchFamily="2" charset="2"/>
               </a:rPr>
-              <a:t>    -DCGAN</a:t>
-            </a:r>
-          </a:p>
-          <a:p>
-            <a:pPr fontAlgn="auto">
-              <a:lnSpc>
-                <a:spcPct val="150000"/>
-              </a:lnSpc>
-              <a:spcAft>
-                <a:spcPts val="0"/>
-              </a:spcAft>
-            </a:pPr>
-            <a:r>
-              <a:rPr kumimoji="0" lang="en-US" altLang="zh-TW" sz="1400" dirty="0">
-                <a:solidFill>
-                  <a:srgbClr val="008000"/>
-                </a:solidFill>
-                <a:latin typeface="微軟正黑體" panose="020B0604030504040204" pitchFamily="34" charset="-120"/>
-                <a:ea typeface="微軟正黑體" panose="020B0604030504040204" pitchFamily="34" charset="-120"/>
-                <a:sym typeface="Wingdings" panose="05000000000000000000" pitchFamily="2" charset="2"/>
-              </a:rPr>
-              <a:t>    </a:t>
-            </a:r>
-            <a:r>
-              <a:rPr kumimoji="0" lang="en-US" altLang="zh-TW" sz="1400" dirty="0">
-                <a:latin typeface="微軟正黑體" panose="020B0604030504040204" pitchFamily="34" charset="-120"/>
-                <a:ea typeface="微軟正黑體" panose="020B0604030504040204" pitchFamily="34" charset="-120"/>
-                <a:sym typeface="Wingdings" panose="05000000000000000000" pitchFamily="2" charset="2"/>
-              </a:rPr>
-              <a:t>-</a:t>
+              <a:t>-</a:t>
             </a:r>
             <a:r>
               <a:rPr kumimoji="0" lang="en-US" altLang="zh-TW" sz="1400" dirty="0" err="1">
@@ -10000,7 +9977,7 @@
         </p:nvSpPr>
         <p:spPr>
           <a:xfrm>
-            <a:off x="611560" y="1435564"/>
+            <a:off x="5076056" y="1635646"/>
             <a:ext cx="697627" cy="400110"/>
           </a:xfrm>
           <a:prstGeom prst="rect">
@@ -10021,6 +9998,117 @@
               </a:rPr>
               <a:t>專案</a:t>
             </a:r>
+          </a:p>
+        </p:txBody>
+      </p:sp>
+      <p:sp>
+        <p:nvSpPr>
+          <p:cNvPr id="8" name="文字方塊 7">
+            <a:extLst>
+              <a:ext uri="{FF2B5EF4-FFF2-40B4-BE49-F238E27FC236}">
+                <a16:creationId xmlns:a16="http://schemas.microsoft.com/office/drawing/2014/main" id="{BF96AE02-B3B0-4F1C-8574-0EE6DE07A377}"/>
+              </a:ext>
+            </a:extLst>
+          </p:cNvPr>
+          <p:cNvSpPr txBox="1"/>
+          <p:nvPr/>
+        </p:nvSpPr>
+        <p:spPr>
+          <a:xfrm>
+            <a:off x="755576" y="1635646"/>
+            <a:ext cx="697627" cy="400110"/>
+          </a:xfrm>
+          <a:prstGeom prst="rect">
+            <a:avLst/>
+          </a:prstGeom>
+          <a:noFill/>
+        </p:spPr>
+        <p:txBody>
+          <a:bodyPr wrap="none" rtlCol="0">
+            <a:spAutoFit/>
+          </a:bodyPr>
+          <a:lstStyle/>
+          <a:p>
+            <a:r>
+              <a:rPr lang="zh-TW" altLang="en-US" sz="2000" b="1" dirty="0">
+                <a:latin typeface="微軟正黑體" panose="020B0604030504040204" pitchFamily="34" charset="-120"/>
+                <a:ea typeface="微軟正黑體" panose="020B0604030504040204" pitchFamily="34" charset="-120"/>
+              </a:rPr>
+              <a:t>事務</a:t>
+            </a:r>
+          </a:p>
+        </p:txBody>
+      </p:sp>
+      <p:sp>
+        <p:nvSpPr>
+          <p:cNvPr id="9" name="文字方塊 8">
+            <a:extLst>
+              <a:ext uri="{FF2B5EF4-FFF2-40B4-BE49-F238E27FC236}">
+                <a16:creationId xmlns:a16="http://schemas.microsoft.com/office/drawing/2014/main" id="{2790B33A-D895-48AF-970D-4FD66AA58080}"/>
+              </a:ext>
+            </a:extLst>
+          </p:cNvPr>
+          <p:cNvSpPr txBox="1"/>
+          <p:nvPr/>
+        </p:nvSpPr>
+        <p:spPr>
+          <a:xfrm>
+            <a:off x="755576" y="2192889"/>
+            <a:ext cx="1768754" cy="338554"/>
+          </a:xfrm>
+          <a:prstGeom prst="rect">
+            <a:avLst/>
+          </a:prstGeom>
+          <a:noFill/>
+        </p:spPr>
+        <p:txBody>
+          <a:bodyPr wrap="none" rtlCol="0">
+            <a:spAutoFit/>
+          </a:bodyPr>
+          <a:lstStyle/>
+          <a:p>
+            <a:pPr fontAlgn="auto">
+              <a:spcAft>
+                <a:spcPts val="0"/>
+              </a:spcAft>
+            </a:pPr>
+            <a:r>
+              <a:rPr kumimoji="0" lang="en-US" altLang="zh-TW" sz="1600" dirty="0">
+                <a:latin typeface="微軟正黑體" panose="020B0604030504040204" pitchFamily="34" charset="-120"/>
+                <a:ea typeface="微軟正黑體" panose="020B0604030504040204" pitchFamily="34" charset="-120"/>
+                <a:sym typeface="Wingdings" panose="05000000000000000000" pitchFamily="2" charset="2"/>
+              </a:rPr>
+              <a:t>1.PI</a:t>
+            </a:r>
+            <a:r>
+              <a:rPr kumimoji="0" lang="zh-TW" altLang="en-US" sz="1600" dirty="0">
+                <a:latin typeface="微軟正黑體" panose="020B0604030504040204" pitchFamily="34" charset="-120"/>
+                <a:ea typeface="微軟正黑體" panose="020B0604030504040204" pitchFamily="34" charset="-120"/>
+                <a:sym typeface="Wingdings" panose="05000000000000000000" pitchFamily="2" charset="2"/>
+              </a:rPr>
+              <a:t> </a:t>
+            </a:r>
+            <a:r>
+              <a:rPr kumimoji="0" lang="en-US" altLang="zh-TW" sz="1600" dirty="0">
+                <a:latin typeface="微軟正黑體" panose="020B0604030504040204" pitchFamily="34" charset="-120"/>
+                <a:ea typeface="微軟正黑體" panose="020B0604030504040204" pitchFamily="34" charset="-120"/>
+                <a:sym typeface="Wingdings" panose="05000000000000000000" pitchFamily="2" charset="2"/>
+              </a:rPr>
+              <a:t>AOI</a:t>
+            </a:r>
+            <a:r>
+              <a:rPr kumimoji="0" lang="zh-TW" altLang="en-US" sz="1600" dirty="0">
+                <a:latin typeface="微軟正黑體" panose="020B0604030504040204" pitchFamily="34" charset="-120"/>
+                <a:ea typeface="微軟正黑體" panose="020B0604030504040204" pitchFamily="34" charset="-120"/>
+                <a:sym typeface="Wingdings" panose="05000000000000000000" pitchFamily="2" charset="2"/>
+              </a:rPr>
+              <a:t>辨識會議</a:t>
+            </a:r>
+            <a:endParaRPr kumimoji="0" lang="en-US" altLang="zh-TW" sz="1600" dirty="0">
+              <a:latin typeface="微軟正黑體" panose="020B0604030504040204" pitchFamily="34" charset="-120"/>
+              <a:ea typeface="微軟正黑體" panose="020B0604030504040204" pitchFamily="34" charset="-120"/>
+              <a:sym typeface="Wingdings" panose="05000000000000000000" pitchFamily="2" charset="2"/>
+            </a:endParaRPr>
           </a:p>
         </p:txBody>
       </p:sp>
@@ -10333,6 +10421,357 @@
     <p:extLst>
       <p:ext uri="{BB962C8B-B14F-4D97-AF65-F5344CB8AC3E}">
         <p14:creationId xmlns:p14="http://schemas.microsoft.com/office/powerpoint/2010/main" val="3702592386"/>
+      </p:ext>
+    </p:extLst>
+  </p:cSld>
+  <p:clrMapOvr>
+    <a:masterClrMapping/>
+  </p:clrMapOvr>
+  <p:transition spd="slow"/>
+</p:sld>
+</file>
+
+<file path=ppt/slides/slide3.xml><?xml version="1.0" encoding="utf-8"?>
+<p:sld xmlns:a="http://schemas.openxmlformats.org/drawingml/2006/main" xmlns:r="http://schemas.openxmlformats.org/officeDocument/2006/relationships" xmlns:p="http://schemas.openxmlformats.org/presentationml/2006/main">
+  <p:cSld>
+    <p:spTree>
+      <p:nvGrpSpPr>
+        <p:cNvPr id="1" name=""/>
+        <p:cNvGrpSpPr/>
+        <p:nvPr/>
+      </p:nvGrpSpPr>
+      <p:grpSpPr>
+        <a:xfrm>
+          <a:off x="0" y="0"/>
+          <a:ext cx="0" cy="0"/>
+          <a:chOff x="0" y="0"/>
+          <a:chExt cx="0" cy="0"/>
+        </a:xfrm>
+      </p:grpSpPr>
+      <p:sp>
+        <p:nvSpPr>
+          <p:cNvPr id="2" name="投影片編號版面配置區 1">
+            <a:extLst>
+              <a:ext uri="{FF2B5EF4-FFF2-40B4-BE49-F238E27FC236}">
+                <a16:creationId xmlns:a16="http://schemas.microsoft.com/office/drawing/2014/main" id="{767303F9-BE0E-4F1E-8535-2E843F59B975}"/>
+              </a:ext>
+            </a:extLst>
+          </p:cNvPr>
+          <p:cNvSpPr>
+            <a:spLocks noGrp="1"/>
+          </p:cNvSpPr>
+          <p:nvPr>
+            <p:ph type="sldNum" sz="quarter" idx="12"/>
+          </p:nvPr>
+        </p:nvSpPr>
+        <p:spPr/>
+        <p:txBody>
+          <a:bodyPr/>
+          <a:lstStyle/>
+          <a:p>
+            <a:fld id="{2E523DCD-4C79-4B52-A674-233DC12F4145}" type="slidenum">
+              <a:rPr lang="zh-CN" altLang="en-US" smtClean="0"/>
+              <a:pPr/>
+              <a:t>3</a:t>
+            </a:fld>
+            <a:endParaRPr lang="zh-CN" altLang="en-US" dirty="0"/>
+          </a:p>
+        </p:txBody>
+      </p:sp>
+      <p:sp>
+        <p:nvSpPr>
+          <p:cNvPr id="3" name="標題 1">
+            <a:extLst>
+              <a:ext uri="{FF2B5EF4-FFF2-40B4-BE49-F238E27FC236}">
+                <a16:creationId xmlns:a16="http://schemas.microsoft.com/office/drawing/2014/main" id="{8E006AE7-145F-4D20-9017-C8D845329219}"/>
+              </a:ext>
+            </a:extLst>
+          </p:cNvPr>
+          <p:cNvSpPr txBox="1">
+            <a:spLocks/>
+          </p:cNvSpPr>
+          <p:nvPr/>
+        </p:nvSpPr>
+        <p:spPr>
+          <a:xfrm>
+            <a:off x="527777" y="51470"/>
+            <a:ext cx="7464515" cy="651070"/>
+          </a:xfrm>
+          <a:prstGeom prst="rect">
+            <a:avLst/>
+          </a:prstGeom>
+        </p:spPr>
+        <p:txBody>
+          <a:bodyPr>
+            <a:normAutofit/>
+          </a:bodyPr>
+          <a:lstStyle>
+            <a:lvl1pPr algn="l" defTabSz="914400" rtl="0" eaLnBrk="1" latinLnBrk="0" hangingPunct="1">
+              <a:spcBef>
+                <a:spcPct val="0"/>
+              </a:spcBef>
+              <a:buNone/>
+              <a:defRPr sz="3200" b="1" kern="1200" baseline="0">
+                <a:solidFill>
+                  <a:schemeClr val="tx1">
+                    <a:lumMod val="75000"/>
+                    <a:lumOff val="25000"/>
+                  </a:schemeClr>
+                </a:solidFill>
+                <a:latin typeface="Gill Sans MT" pitchFamily="34" charset="0"/>
+                <a:ea typeface="微軟正黑體" pitchFamily="34" charset="-120"/>
+                <a:cs typeface="+mj-cs"/>
+              </a:defRPr>
+            </a:lvl1pPr>
+          </a:lstStyle>
+          <a:p>
+            <a:pPr fontAlgn="auto">
+              <a:spcAft>
+                <a:spcPts val="0"/>
+              </a:spcAft>
+            </a:pPr>
+            <a:r>
+              <a:rPr kumimoji="0" lang="en-US" altLang="zh-TW" sz="3200" dirty="0" err="1">
+                <a:latin typeface="微軟正黑體" panose="020B0604030504040204" pitchFamily="34" charset="-120"/>
+                <a:ea typeface="微軟正黑體" panose="020B0604030504040204" pitchFamily="34" charset="-120"/>
+                <a:sym typeface="Wingdings" panose="05000000000000000000" pitchFamily="2" charset="2"/>
+              </a:rPr>
+              <a:t>CycleGAN</a:t>
+            </a:r>
+            <a:r>
+              <a:rPr kumimoji="0" lang="en-US" altLang="zh-TW" sz="3200" dirty="0">
+                <a:latin typeface="微軟正黑體" panose="020B0604030504040204" pitchFamily="34" charset="-120"/>
+                <a:ea typeface="微軟正黑體" panose="020B0604030504040204" pitchFamily="34" charset="-120"/>
+                <a:sym typeface="Wingdings" panose="05000000000000000000" pitchFamily="2" charset="2"/>
+              </a:rPr>
+              <a:t> Result</a:t>
+            </a:r>
+            <a:endParaRPr kumimoji="0" lang="zh-TW" altLang="en-US" sz="3000" dirty="0"/>
+          </a:p>
+        </p:txBody>
+      </p:sp>
+      <p:pic>
+        <p:nvPicPr>
+          <p:cNvPr id="5" name="圖片 4">
+            <a:extLst>
+              <a:ext uri="{FF2B5EF4-FFF2-40B4-BE49-F238E27FC236}">
+                <a16:creationId xmlns:a16="http://schemas.microsoft.com/office/drawing/2014/main" id="{E2B45995-0827-4D58-A17F-07D219671F68}"/>
+              </a:ext>
+            </a:extLst>
+          </p:cNvPr>
+          <p:cNvPicPr>
+            <a:picLocks noChangeAspect="1"/>
+          </p:cNvPicPr>
+          <p:nvPr/>
+        </p:nvPicPr>
+        <p:blipFill rotWithShape="1">
+          <a:blip r:embed="rId2">
+            <a:extLst>
+              <a:ext uri="{28A0092B-C50C-407E-A947-70E740481C1C}">
+                <a14:useLocalDpi xmlns:a14="http://schemas.microsoft.com/office/drawing/2010/main" val="0"/>
+              </a:ext>
+            </a:extLst>
+          </a:blip>
+          <a:srcRect l="10606" t="15747" r="8038" b="17333"/>
+          <a:stretch/>
+        </p:blipFill>
+        <p:spPr>
+          <a:xfrm>
+            <a:off x="199187" y="1639523"/>
+            <a:ext cx="3931965" cy="2156239"/>
+          </a:xfrm>
+          <a:prstGeom prst="rect">
+            <a:avLst/>
+          </a:prstGeom>
+        </p:spPr>
+      </p:pic>
+      <p:pic>
+        <p:nvPicPr>
+          <p:cNvPr id="7" name="圖片 6">
+            <a:extLst>
+              <a:ext uri="{FF2B5EF4-FFF2-40B4-BE49-F238E27FC236}">
+                <a16:creationId xmlns:a16="http://schemas.microsoft.com/office/drawing/2014/main" id="{972FF980-DA41-4AF8-BEC5-23669468DC27}"/>
+              </a:ext>
+            </a:extLst>
+          </p:cNvPr>
+          <p:cNvPicPr>
+            <a:picLocks noChangeAspect="1"/>
+          </p:cNvPicPr>
+          <p:nvPr/>
+        </p:nvPicPr>
+        <p:blipFill rotWithShape="1">
+          <a:blip r:embed="rId3">
+            <a:extLst>
+              <a:ext uri="{28A0092B-C50C-407E-A947-70E740481C1C}">
+                <a14:useLocalDpi xmlns:a14="http://schemas.microsoft.com/office/drawing/2010/main" val="0"/>
+              </a:ext>
+            </a:extLst>
+          </a:blip>
+          <a:srcRect l="10497" t="15747" r="6835" b="15364"/>
+          <a:stretch/>
+        </p:blipFill>
+        <p:spPr>
+          <a:xfrm>
+            <a:off x="4355976" y="1635646"/>
+            <a:ext cx="4003645" cy="2224247"/>
+          </a:xfrm>
+          <a:prstGeom prst="rect">
+            <a:avLst/>
+          </a:prstGeom>
+        </p:spPr>
+      </p:pic>
+      <p:sp>
+        <p:nvSpPr>
+          <p:cNvPr id="8" name="文字方塊 7">
+            <a:extLst>
+              <a:ext uri="{FF2B5EF4-FFF2-40B4-BE49-F238E27FC236}">
+                <a16:creationId xmlns:a16="http://schemas.microsoft.com/office/drawing/2014/main" id="{0D95754F-603E-4434-AC11-9A7E9FAAC772}"/>
+              </a:ext>
+            </a:extLst>
+          </p:cNvPr>
+          <p:cNvSpPr txBox="1"/>
+          <p:nvPr/>
+        </p:nvSpPr>
+        <p:spPr>
+          <a:xfrm>
+            <a:off x="1454584" y="2559050"/>
+            <a:ext cx="1539845" cy="369332"/>
+          </a:xfrm>
+          <a:prstGeom prst="rect">
+            <a:avLst/>
+          </a:prstGeom>
+          <a:noFill/>
+        </p:spPr>
+        <p:txBody>
+          <a:bodyPr wrap="none" rtlCol="0">
+            <a:spAutoFit/>
+          </a:bodyPr>
+          <a:lstStyle/>
+          <a:p>
+            <a:r>
+              <a:rPr lang="en-US" altLang="zh-TW" dirty="0"/>
+              <a:t>OPI_PT Real</a:t>
+            </a:r>
+            <a:endParaRPr lang="zh-TW" altLang="en-US" dirty="0"/>
+          </a:p>
+        </p:txBody>
+      </p:sp>
+      <p:sp>
+        <p:nvSpPr>
+          <p:cNvPr id="9" name="文字方塊 8">
+            <a:extLst>
+              <a:ext uri="{FF2B5EF4-FFF2-40B4-BE49-F238E27FC236}">
+                <a16:creationId xmlns:a16="http://schemas.microsoft.com/office/drawing/2014/main" id="{63B74440-3741-49E8-9D84-6C6FEDD424E3}"/>
+              </a:ext>
+            </a:extLst>
+          </p:cNvPr>
+          <p:cNvSpPr txBox="1"/>
+          <p:nvPr/>
+        </p:nvSpPr>
+        <p:spPr>
+          <a:xfrm>
+            <a:off x="971600" y="3939902"/>
+            <a:ext cx="2505814" cy="369332"/>
+          </a:xfrm>
+          <a:prstGeom prst="rect">
+            <a:avLst/>
+          </a:prstGeom>
+          <a:noFill/>
+        </p:spPr>
+        <p:txBody>
+          <a:bodyPr wrap="none" rtlCol="0">
+            <a:spAutoFit/>
+          </a:bodyPr>
+          <a:lstStyle/>
+          <a:p>
+            <a:r>
+              <a:rPr lang="en-US" altLang="zh-TW" dirty="0" err="1"/>
+              <a:t>UP_Polymer</a:t>
+            </a:r>
+            <a:r>
+              <a:rPr lang="en-US" altLang="zh-TW" dirty="0"/>
+              <a:t> Generate</a:t>
+            </a:r>
+            <a:endParaRPr lang="zh-TW" altLang="en-US" dirty="0"/>
+          </a:p>
+        </p:txBody>
+      </p:sp>
+      <p:sp>
+        <p:nvSpPr>
+          <p:cNvPr id="10" name="文字方塊 9">
+            <a:extLst>
+              <a:ext uri="{FF2B5EF4-FFF2-40B4-BE49-F238E27FC236}">
+                <a16:creationId xmlns:a16="http://schemas.microsoft.com/office/drawing/2014/main" id="{8F95CB2A-AAAB-4525-A9FB-265E088404FD}"/>
+              </a:ext>
+            </a:extLst>
+          </p:cNvPr>
+          <p:cNvSpPr txBox="1"/>
+          <p:nvPr/>
+        </p:nvSpPr>
+        <p:spPr>
+          <a:xfrm>
+            <a:off x="5724128" y="2552700"/>
+            <a:ext cx="1184940" cy="369332"/>
+          </a:xfrm>
+          <a:prstGeom prst="rect">
+            <a:avLst/>
+          </a:prstGeom>
+          <a:noFill/>
+        </p:spPr>
+        <p:txBody>
+          <a:bodyPr wrap="none" rtlCol="0">
+            <a:spAutoFit/>
+          </a:bodyPr>
+          <a:lstStyle/>
+          <a:p>
+            <a:r>
+              <a:rPr lang="en-US" altLang="zh-TW" dirty="0"/>
+              <a:t>SPS Real</a:t>
+            </a:r>
+            <a:endParaRPr lang="zh-TW" altLang="en-US" dirty="0"/>
+          </a:p>
+        </p:txBody>
+      </p:sp>
+      <p:sp>
+        <p:nvSpPr>
+          <p:cNvPr id="11" name="文字方塊 10">
+            <a:extLst>
+              <a:ext uri="{FF2B5EF4-FFF2-40B4-BE49-F238E27FC236}">
+                <a16:creationId xmlns:a16="http://schemas.microsoft.com/office/drawing/2014/main" id="{9A31E794-15C7-4E59-903B-075AF5E0A603}"/>
+              </a:ext>
+            </a:extLst>
+          </p:cNvPr>
+          <p:cNvSpPr txBox="1"/>
+          <p:nvPr/>
+        </p:nvSpPr>
+        <p:spPr>
+          <a:xfrm>
+            <a:off x="5361694" y="3939902"/>
+            <a:ext cx="2104102" cy="369332"/>
+          </a:xfrm>
+          <a:prstGeom prst="rect">
+            <a:avLst/>
+          </a:prstGeom>
+          <a:noFill/>
+        </p:spPr>
+        <p:txBody>
+          <a:bodyPr wrap="none" rtlCol="0">
+            <a:spAutoFit/>
+          </a:bodyPr>
+          <a:lstStyle/>
+          <a:p>
+            <a:r>
+              <a:rPr lang="en-US" altLang="zh-TW" dirty="0"/>
+              <a:t>APR_PT Generate</a:t>
+            </a:r>
+            <a:endParaRPr lang="zh-TW" altLang="en-US" dirty="0"/>
+          </a:p>
+        </p:txBody>
+      </p:sp>
+    </p:spTree>
+    <p:extLst>
+      <p:ext uri="{BB962C8B-B14F-4D97-AF65-F5344CB8AC3E}">
+        <p14:creationId xmlns:p14="http://schemas.microsoft.com/office/powerpoint/2010/main" val="3357513784"/>
       </p:ext>
     </p:extLst>
   </p:cSld>
